--- a/Wikidocs/pics/variable_icons.pptx
+++ b/Wikidocs/pics/variable_icons.pptx
@@ -261,7 +261,7 @@
           <a:p>
             <a:fld id="{FB4E8B56-EE13-4C77-84B6-FA7DE9B8063B}" type="datetimeFigureOut">
               <a:rPr lang="en-US" smtClean="0"/>
-              <a:t>12/29/2022</a:t>
+              <a:t>1/3/2023</a:t>
             </a:fld>
             <a:endParaRPr lang="en-US"/>
           </a:p>
@@ -459,7 +459,7 @@
           <a:p>
             <a:fld id="{FB4E8B56-EE13-4C77-84B6-FA7DE9B8063B}" type="datetimeFigureOut">
               <a:rPr lang="en-US" smtClean="0"/>
-              <a:t>12/29/2022</a:t>
+              <a:t>1/3/2023</a:t>
             </a:fld>
             <a:endParaRPr lang="en-US"/>
           </a:p>
@@ -667,7 +667,7 @@
           <a:p>
             <a:fld id="{FB4E8B56-EE13-4C77-84B6-FA7DE9B8063B}" type="datetimeFigureOut">
               <a:rPr lang="en-US" smtClean="0"/>
-              <a:t>12/29/2022</a:t>
+              <a:t>1/3/2023</a:t>
             </a:fld>
             <a:endParaRPr lang="en-US"/>
           </a:p>
@@ -865,7 +865,7 @@
           <a:p>
             <a:fld id="{FB4E8B56-EE13-4C77-84B6-FA7DE9B8063B}" type="datetimeFigureOut">
               <a:rPr lang="en-US" smtClean="0"/>
-              <a:t>12/29/2022</a:t>
+              <a:t>1/3/2023</a:t>
             </a:fld>
             <a:endParaRPr lang="en-US"/>
           </a:p>
@@ -1140,7 +1140,7 @@
           <a:p>
             <a:fld id="{FB4E8B56-EE13-4C77-84B6-FA7DE9B8063B}" type="datetimeFigureOut">
               <a:rPr lang="en-US" smtClean="0"/>
-              <a:t>12/29/2022</a:t>
+              <a:t>1/3/2023</a:t>
             </a:fld>
             <a:endParaRPr lang="en-US"/>
           </a:p>
@@ -1405,7 +1405,7 @@
           <a:p>
             <a:fld id="{FB4E8B56-EE13-4C77-84B6-FA7DE9B8063B}" type="datetimeFigureOut">
               <a:rPr lang="en-US" smtClean="0"/>
-              <a:t>12/29/2022</a:t>
+              <a:t>1/3/2023</a:t>
             </a:fld>
             <a:endParaRPr lang="en-US"/>
           </a:p>
@@ -1817,7 +1817,7 @@
           <a:p>
             <a:fld id="{FB4E8B56-EE13-4C77-84B6-FA7DE9B8063B}" type="datetimeFigureOut">
               <a:rPr lang="en-US" smtClean="0"/>
-              <a:t>12/29/2022</a:t>
+              <a:t>1/3/2023</a:t>
             </a:fld>
             <a:endParaRPr lang="en-US"/>
           </a:p>
@@ -1958,7 +1958,7 @@
           <a:p>
             <a:fld id="{FB4E8B56-EE13-4C77-84B6-FA7DE9B8063B}" type="datetimeFigureOut">
               <a:rPr lang="en-US" smtClean="0"/>
-              <a:t>12/29/2022</a:t>
+              <a:t>1/3/2023</a:t>
             </a:fld>
             <a:endParaRPr lang="en-US"/>
           </a:p>
@@ -2071,7 +2071,7 @@
           <a:p>
             <a:fld id="{FB4E8B56-EE13-4C77-84B6-FA7DE9B8063B}" type="datetimeFigureOut">
               <a:rPr lang="en-US" smtClean="0"/>
-              <a:t>12/29/2022</a:t>
+              <a:t>1/3/2023</a:t>
             </a:fld>
             <a:endParaRPr lang="en-US"/>
           </a:p>
@@ -2382,7 +2382,7 @@
           <a:p>
             <a:fld id="{FB4E8B56-EE13-4C77-84B6-FA7DE9B8063B}" type="datetimeFigureOut">
               <a:rPr lang="en-US" smtClean="0"/>
-              <a:t>12/29/2022</a:t>
+              <a:t>1/3/2023</a:t>
             </a:fld>
             <a:endParaRPr lang="en-US"/>
           </a:p>
@@ -2670,7 +2670,7 @@
           <a:p>
             <a:fld id="{FB4E8B56-EE13-4C77-84B6-FA7DE9B8063B}" type="datetimeFigureOut">
               <a:rPr lang="en-US" smtClean="0"/>
-              <a:t>12/29/2022</a:t>
+              <a:t>1/3/2023</a:t>
             </a:fld>
             <a:endParaRPr lang="en-US"/>
           </a:p>
@@ -2911,7 +2911,7 @@
           <a:p>
             <a:fld id="{FB4E8B56-EE13-4C77-84B6-FA7DE9B8063B}" type="datetimeFigureOut">
               <a:rPr lang="en-US" smtClean="0"/>
-              <a:t>12/29/2022</a:t>
+              <a:t>1/3/2023</a:t>
             </a:fld>
             <a:endParaRPr lang="en-US"/>
           </a:p>
@@ -3342,7 +3342,7 @@
         </p:nvSpPr>
         <p:spPr>
           <a:xfrm>
-            <a:off x="8467453" y="2895341"/>
+            <a:off x="7370767" y="2794295"/>
             <a:ext cx="2831992" cy="2199753"/>
           </a:xfrm>
           <a:prstGeom prst="arc">
@@ -3394,7 +3394,7 @@
         </p:nvSpPr>
         <p:spPr>
           <a:xfrm>
-            <a:off x="2420462" y="398618"/>
+            <a:off x="1323776" y="297572"/>
             <a:ext cx="1347525" cy="1335806"/>
           </a:xfrm>
           <a:prstGeom prst="rect">
@@ -3460,7 +3460,7 @@
         </p:nvSpPr>
         <p:spPr>
           <a:xfrm>
-            <a:off x="2416556" y="402915"/>
+            <a:off x="1319870" y="301869"/>
             <a:ext cx="679621" cy="679621"/>
           </a:xfrm>
           <a:prstGeom prst="rect">
@@ -3508,7 +3508,7 @@
         </p:nvSpPr>
         <p:spPr>
           <a:xfrm>
-            <a:off x="3096177" y="402915"/>
+            <a:off x="1999491" y="301869"/>
             <a:ext cx="679621" cy="679621"/>
           </a:xfrm>
           <a:prstGeom prst="rect">
@@ -3556,7 +3556,7 @@
         </p:nvSpPr>
         <p:spPr>
           <a:xfrm>
-            <a:off x="2416556" y="1082535"/>
+            <a:off x="1319870" y="981489"/>
             <a:ext cx="679621" cy="679621"/>
           </a:xfrm>
           <a:prstGeom prst="rect">
@@ -3604,7 +3604,7 @@
         </p:nvSpPr>
         <p:spPr>
           <a:xfrm>
-            <a:off x="3096177" y="1082535"/>
+            <a:off x="1999491" y="981489"/>
             <a:ext cx="679621" cy="679621"/>
           </a:xfrm>
           <a:prstGeom prst="rect">
@@ -3652,7 +3652,7 @@
         </p:nvSpPr>
         <p:spPr>
           <a:xfrm>
-            <a:off x="4463082" y="398618"/>
+            <a:off x="3366396" y="297572"/>
             <a:ext cx="1347524" cy="1335806"/>
           </a:xfrm>
           <a:prstGeom prst="rect">
@@ -3718,7 +3718,7 @@
         </p:nvSpPr>
         <p:spPr>
           <a:xfrm>
-            <a:off x="4459176" y="402915"/>
+            <a:off x="3362490" y="301869"/>
             <a:ext cx="1359242" cy="1359242"/>
           </a:xfrm>
           <a:prstGeom prst="rect">
@@ -3766,7 +3766,7 @@
         </p:nvSpPr>
         <p:spPr>
           <a:xfrm>
-            <a:off x="4452442" y="512524"/>
+            <a:off x="3355756" y="411478"/>
             <a:ext cx="1470403" cy="1107996"/>
           </a:xfrm>
           <a:prstGeom prst="rect">
@@ -3802,7 +3802,7 @@
         </p:nvSpPr>
         <p:spPr>
           <a:xfrm>
-            <a:off x="6465885" y="398618"/>
+            <a:off x="5369199" y="297572"/>
             <a:ext cx="1347524" cy="1335806"/>
           </a:xfrm>
           <a:prstGeom prst="rect">
@@ -3868,7 +3868,7 @@
         </p:nvSpPr>
         <p:spPr>
           <a:xfrm>
-            <a:off x="6506761" y="512522"/>
+            <a:off x="5410075" y="411476"/>
             <a:ext cx="670376" cy="1107996"/>
           </a:xfrm>
           <a:prstGeom prst="rect">
@@ -3904,7 +3904,7 @@
         </p:nvSpPr>
         <p:spPr>
           <a:xfrm>
-            <a:off x="6465885" y="400766"/>
+            <a:off x="5369199" y="299720"/>
             <a:ext cx="679621" cy="1331510"/>
           </a:xfrm>
           <a:prstGeom prst="rect">
@@ -3952,7 +3952,7 @@
         </p:nvSpPr>
         <p:spPr>
           <a:xfrm>
-            <a:off x="7145506" y="400766"/>
+            <a:off x="6048820" y="299720"/>
             <a:ext cx="679621" cy="1331510"/>
           </a:xfrm>
           <a:prstGeom prst="rect">
@@ -4000,7 +4000,7 @@
         </p:nvSpPr>
         <p:spPr>
           <a:xfrm>
-            <a:off x="7173292" y="512522"/>
+            <a:off x="6076606" y="411476"/>
             <a:ext cx="756937" cy="1107996"/>
           </a:xfrm>
           <a:prstGeom prst="rect">
@@ -4036,7 +4036,7 @@
         </p:nvSpPr>
         <p:spPr>
           <a:xfrm>
-            <a:off x="2428274" y="2660990"/>
+            <a:off x="1331588" y="2559944"/>
             <a:ext cx="1347524" cy="1335806"/>
           </a:xfrm>
           <a:prstGeom prst="rect">
@@ -4102,7 +4102,7 @@
         </p:nvSpPr>
         <p:spPr>
           <a:xfrm>
-            <a:off x="2489435" y="2774895"/>
+            <a:off x="1392749" y="2673849"/>
             <a:ext cx="579005" cy="1107996"/>
           </a:xfrm>
           <a:prstGeom prst="rect">
@@ -4138,7 +4138,7 @@
         </p:nvSpPr>
         <p:spPr>
           <a:xfrm>
-            <a:off x="2428273" y="2663138"/>
+            <a:off x="1331587" y="2562092"/>
             <a:ext cx="1347524" cy="1331509"/>
           </a:xfrm>
           <a:prstGeom prst="rect">
@@ -4186,7 +4186,7 @@
         </p:nvSpPr>
         <p:spPr>
           <a:xfrm>
-            <a:off x="3211947" y="2774895"/>
+            <a:off x="2115261" y="2673849"/>
             <a:ext cx="579005" cy="1107996"/>
           </a:xfrm>
           <a:prstGeom prst="rect">
@@ -4222,7 +4222,7 @@
         </p:nvSpPr>
         <p:spPr>
           <a:xfrm>
-            <a:off x="4459177" y="2660990"/>
+            <a:off x="3362491" y="2559944"/>
             <a:ext cx="1347524" cy="1335806"/>
           </a:xfrm>
           <a:prstGeom prst="rect">
@@ -4288,7 +4288,7 @@
         </p:nvSpPr>
         <p:spPr>
           <a:xfrm>
-            <a:off x="4459176" y="2663138"/>
+            <a:off x="3362490" y="2562092"/>
             <a:ext cx="1347524" cy="1331510"/>
           </a:xfrm>
           <a:prstGeom prst="rect">
@@ -4336,7 +4336,7 @@
         </p:nvCxnSpPr>
         <p:spPr>
           <a:xfrm>
-            <a:off x="4697188" y="3328892"/>
+            <a:off x="3600502" y="3227846"/>
             <a:ext cx="398398" cy="0"/>
           </a:xfrm>
           <a:prstGeom prst="line">
@@ -4379,7 +4379,7 @@
         </p:nvCxnSpPr>
         <p:spPr>
           <a:xfrm>
-            <a:off x="5187643" y="2954607"/>
+            <a:off x="4090957" y="2853561"/>
             <a:ext cx="398398" cy="0"/>
           </a:xfrm>
           <a:prstGeom prst="line">
@@ -4422,7 +4422,7 @@
         </p:nvCxnSpPr>
         <p:spPr>
           <a:xfrm>
-            <a:off x="5187643" y="3208037"/>
+            <a:off x="4090957" y="3106991"/>
             <a:ext cx="398398" cy="0"/>
           </a:xfrm>
           <a:prstGeom prst="line">
@@ -4465,7 +4465,7 @@
         </p:nvCxnSpPr>
         <p:spPr>
           <a:xfrm>
-            <a:off x="5187643" y="3461467"/>
+            <a:off x="4090957" y="3360421"/>
             <a:ext cx="398398" cy="0"/>
           </a:xfrm>
           <a:prstGeom prst="line">
@@ -4508,7 +4508,7 @@
         </p:nvCxnSpPr>
         <p:spPr>
           <a:xfrm>
-            <a:off x="5187643" y="3714896"/>
+            <a:off x="4090957" y="3613850"/>
             <a:ext cx="398398" cy="0"/>
           </a:xfrm>
           <a:prstGeom prst="line">
@@ -4551,7 +4551,7 @@
         </p:nvCxnSpPr>
         <p:spPr>
           <a:xfrm>
-            <a:off x="5130983" y="2895341"/>
+            <a:off x="4034297" y="2794295"/>
             <a:ext cx="0" cy="876673"/>
           </a:xfrm>
           <a:prstGeom prst="line">
@@ -4592,7 +4592,7 @@
         </p:nvSpPr>
         <p:spPr>
           <a:xfrm>
-            <a:off x="6458074" y="2656693"/>
+            <a:off x="5361388" y="2555647"/>
             <a:ext cx="1347524" cy="1335806"/>
           </a:xfrm>
           <a:custGeom>
@@ -4711,7 +4711,7 @@
         </p:nvSpPr>
         <p:spPr>
           <a:xfrm>
-            <a:off x="6557857" y="2852625"/>
+            <a:off x="5461171" y="2751579"/>
             <a:ext cx="1300356" cy="1107996"/>
           </a:xfrm>
           <a:prstGeom prst="rect">
@@ -4747,7 +4747,7 @@
         </p:nvSpPr>
         <p:spPr>
           <a:xfrm>
-            <a:off x="6465885" y="2660990"/>
+            <a:off x="5369199" y="2559944"/>
             <a:ext cx="1339713" cy="234352"/>
           </a:xfrm>
           <a:prstGeom prst="rect">
@@ -4804,7 +4804,7 @@
         </p:nvSpPr>
         <p:spPr>
           <a:xfrm>
-            <a:off x="6454168" y="2660990"/>
+            <a:off x="5357482" y="2559944"/>
             <a:ext cx="1359242" cy="1359242"/>
           </a:xfrm>
           <a:custGeom>
@@ -4905,7 +4905,7 @@
         </p:nvSpPr>
         <p:spPr>
           <a:xfrm>
-            <a:off x="2416557" y="4912619"/>
+            <a:off x="1319871" y="4811573"/>
             <a:ext cx="1347524" cy="1335806"/>
           </a:xfrm>
           <a:prstGeom prst="rect">
@@ -4971,7 +4971,7 @@
         </p:nvSpPr>
         <p:spPr>
           <a:xfrm>
-            <a:off x="2416556" y="4914767"/>
+            <a:off x="1319870" y="4813721"/>
             <a:ext cx="1347524" cy="1331509"/>
           </a:xfrm>
           <a:prstGeom prst="rect">
@@ -5019,7 +5019,7 @@
         </p:nvSpPr>
         <p:spPr>
           <a:xfrm>
-            <a:off x="2885043" y="5099125"/>
+            <a:off x="1788357" y="4998079"/>
             <a:ext cx="410549" cy="410548"/>
           </a:xfrm>
           <a:prstGeom prst="ellipse">
@@ -5074,7 +5074,7 @@
         </p:nvSpPr>
         <p:spPr>
           <a:xfrm>
-            <a:off x="2575405" y="5651370"/>
+            <a:off x="1478719" y="5550324"/>
             <a:ext cx="410549" cy="410548"/>
           </a:xfrm>
           <a:prstGeom prst="ellipse">
@@ -5128,7 +5128,7 @@
         </p:nvSpPr>
         <p:spPr>
           <a:xfrm>
-            <a:off x="3194682" y="5651370"/>
+            <a:off x="2097996" y="5550324"/>
             <a:ext cx="410549" cy="410548"/>
           </a:xfrm>
           <a:prstGeom prst="ellipse">
@@ -5183,7 +5183,7 @@
         </p:nvSpPr>
         <p:spPr>
           <a:xfrm>
-            <a:off x="4461129" y="4912619"/>
+            <a:off x="3364443" y="4811573"/>
             <a:ext cx="1347524" cy="1335806"/>
           </a:xfrm>
           <a:prstGeom prst="rect">
@@ -5249,7 +5249,7 @@
         </p:nvSpPr>
         <p:spPr>
           <a:xfrm>
-            <a:off x="4461445" y="4939474"/>
+            <a:off x="3364759" y="4838428"/>
             <a:ext cx="1339713" cy="234352"/>
           </a:xfrm>
           <a:prstGeom prst="rect">
@@ -5306,7 +5306,7 @@
         </p:nvSpPr>
         <p:spPr>
           <a:xfrm>
-            <a:off x="4461445" y="5544849"/>
+            <a:off x="3364759" y="5443803"/>
             <a:ext cx="1339713" cy="350715"/>
           </a:xfrm>
           <a:prstGeom prst="rect">
@@ -5358,7 +5358,7 @@
         </p:nvSpPr>
         <p:spPr>
           <a:xfrm rot="5400000">
-            <a:off x="4926665" y="5371149"/>
+            <a:off x="3829979" y="5270103"/>
             <a:ext cx="1279556" cy="436211"/>
           </a:xfrm>
           <a:prstGeom prst="rect">
@@ -5410,7 +5410,7 @@
         </p:nvSpPr>
         <p:spPr>
           <a:xfrm rot="5400000">
-            <a:off x="4485771" y="5371149"/>
+            <a:off x="3389085" y="5270103"/>
             <a:ext cx="1279556" cy="436211"/>
           </a:xfrm>
           <a:prstGeom prst="rect">
@@ -5462,7 +5462,7 @@
         </p:nvSpPr>
         <p:spPr>
           <a:xfrm rot="5400000">
-            <a:off x="4049560" y="5371149"/>
+            <a:off x="2952874" y="5270103"/>
             <a:ext cx="1279556" cy="436211"/>
           </a:xfrm>
           <a:prstGeom prst="rect">
@@ -5519,7 +5519,7 @@
         </p:nvSpPr>
         <p:spPr>
           <a:xfrm>
-            <a:off x="4461445" y="5190369"/>
+            <a:off x="3364759" y="5089323"/>
             <a:ext cx="1339713" cy="350715"/>
           </a:xfrm>
           <a:prstGeom prst="rect">
@@ -5571,7 +5571,7 @@
         </p:nvSpPr>
         <p:spPr>
           <a:xfrm>
-            <a:off x="4461445" y="5895563"/>
+            <a:off x="3364759" y="5794517"/>
             <a:ext cx="1339713" cy="350715"/>
           </a:xfrm>
           <a:prstGeom prst="rect">
@@ -5623,7 +5623,7 @@
         </p:nvSpPr>
         <p:spPr>
           <a:xfrm>
-            <a:off x="6465885" y="4983468"/>
+            <a:off x="5369199" y="4882422"/>
             <a:ext cx="1347524" cy="1335806"/>
           </a:xfrm>
           <a:prstGeom prst="rect">
@@ -5689,7 +5689,7 @@
         </p:nvSpPr>
         <p:spPr>
           <a:xfrm>
-            <a:off x="6465884" y="4985615"/>
+            <a:off x="5369198" y="4884569"/>
             <a:ext cx="1347524" cy="1331510"/>
           </a:xfrm>
           <a:prstGeom prst="rect">
@@ -5737,7 +5737,7 @@
         </p:nvSpPr>
         <p:spPr>
           <a:xfrm rot="5400000">
-            <a:off x="6611834" y="5531843"/>
+            <a:off x="5515148" y="5430797"/>
             <a:ext cx="613131" cy="403137"/>
           </a:xfrm>
           <a:prstGeom prst="parallelogram">
@@ -5785,7 +5785,7 @@
         </p:nvSpPr>
         <p:spPr>
           <a:xfrm rot="16200000" flipH="1">
-            <a:off x="6957200" y="5474068"/>
+            <a:off x="5860514" y="5373022"/>
             <a:ext cx="728679" cy="403138"/>
           </a:xfrm>
           <a:prstGeom prst="parallelogram">
@@ -5839,7 +5839,7 @@
         </p:nvSpPr>
         <p:spPr>
           <a:xfrm rot="1048126">
-            <a:off x="6759690" y="5195879"/>
+            <a:off x="5663004" y="5094833"/>
             <a:ext cx="725036" cy="348560"/>
           </a:xfrm>
           <a:prstGeom prst="parallelogram">
@@ -5893,7 +5893,7 @@
         </p:nvSpPr>
         <p:spPr>
           <a:xfrm>
-            <a:off x="2609271" y="1828802"/>
+            <a:off x="1512585" y="1727756"/>
             <a:ext cx="986167" cy="369332"/>
           </a:xfrm>
           <a:prstGeom prst="rect">
@@ -5928,7 +5928,7 @@
         </p:nvSpPr>
         <p:spPr>
           <a:xfrm>
-            <a:off x="4725547" y="1828802"/>
+            <a:off x="3628861" y="1727756"/>
             <a:ext cx="731290" cy="369332"/>
           </a:xfrm>
           <a:prstGeom prst="rect">
@@ -5964,7 +5964,7 @@
         </p:nvSpPr>
         <p:spPr>
           <a:xfrm>
-            <a:off x="6592478" y="1828802"/>
+            <a:off x="5495792" y="1727756"/>
             <a:ext cx="1094339" cy="369332"/>
           </a:xfrm>
           <a:prstGeom prst="rect">
@@ -6000,7 +6000,7 @@
         </p:nvSpPr>
         <p:spPr>
           <a:xfrm>
-            <a:off x="2837699" y="4048333"/>
+            <a:off x="1741013" y="3947287"/>
             <a:ext cx="529312" cy="369332"/>
           </a:xfrm>
           <a:prstGeom prst="rect">
@@ -6036,7 +6036,7 @@
         </p:nvSpPr>
         <p:spPr>
           <a:xfrm>
-            <a:off x="4517062" y="4048333"/>
+            <a:off x="3420376" y="3947287"/>
             <a:ext cx="1148263" cy="369332"/>
           </a:xfrm>
           <a:prstGeom prst="rect">
@@ -6072,7 +6072,7 @@
         </p:nvSpPr>
         <p:spPr>
           <a:xfrm>
-            <a:off x="6612610" y="4048333"/>
+            <a:off x="5515924" y="3947287"/>
             <a:ext cx="1054071" cy="369332"/>
           </a:xfrm>
           <a:prstGeom prst="rect">
@@ -6108,7 +6108,7 @@
         </p:nvGrpSpPr>
         <p:grpSpPr>
           <a:xfrm>
-            <a:off x="8467451" y="4854034"/>
+            <a:off x="7370765" y="4752988"/>
             <a:ext cx="1352835" cy="1473334"/>
             <a:chOff x="8590966" y="4910442"/>
             <a:chExt cx="1134370" cy="1416925"/>
@@ -6762,7 +6762,7 @@
         </p:nvSpPr>
         <p:spPr>
           <a:xfrm>
-            <a:off x="8586677" y="6374686"/>
+            <a:off x="7489991" y="6273640"/>
             <a:ext cx="1147622" cy="369332"/>
           </a:xfrm>
           <a:prstGeom prst="rect">
@@ -6798,7 +6798,7 @@
         </p:nvSpPr>
         <p:spPr>
           <a:xfrm>
-            <a:off x="2488310" y="6317125"/>
+            <a:off x="1391624" y="6216079"/>
             <a:ext cx="1228093" cy="369332"/>
           </a:xfrm>
           <a:prstGeom prst="rect">
@@ -6834,7 +6834,7 @@
         </p:nvSpPr>
         <p:spPr>
           <a:xfrm>
-            <a:off x="4830699" y="6317125"/>
+            <a:off x="3734013" y="6216079"/>
             <a:ext cx="679610" cy="369332"/>
           </a:xfrm>
           <a:prstGeom prst="rect">
@@ -6870,7 +6870,7 @@
         </p:nvSpPr>
         <p:spPr>
           <a:xfrm>
-            <a:off x="6353451" y="6317125"/>
+            <a:off x="5256765" y="6216079"/>
             <a:ext cx="1614289" cy="369332"/>
           </a:xfrm>
           <a:prstGeom prst="rect">
@@ -6906,7 +6906,7 @@
         </p:nvGrpSpPr>
         <p:grpSpPr>
           <a:xfrm>
-            <a:off x="8462341" y="415016"/>
+            <a:off x="7365655" y="313970"/>
             <a:ext cx="1347525" cy="1756675"/>
             <a:chOff x="8462341" y="4989890"/>
             <a:chExt cx="1347525" cy="1756675"/>
@@ -7271,7 +7271,7 @@
         </p:nvGrpSpPr>
         <p:grpSpPr>
           <a:xfrm>
-            <a:off x="8467455" y="2618510"/>
+            <a:off x="7370769" y="2517464"/>
             <a:ext cx="2592723" cy="2488670"/>
             <a:chOff x="8467455" y="2618510"/>
             <a:chExt cx="2592723" cy="2488670"/>
@@ -7890,807 +7890,12 @@
           </p:txBody>
         </p:sp>
       </p:grpSp>
-    </p:spTree>
-    <p:extLst>
-      <p:ext uri="{BB962C8B-B14F-4D97-AF65-F5344CB8AC3E}">
-        <p14:creationId xmlns:p14="http://schemas.microsoft.com/office/powerpoint/2010/main" val="3852378343"/>
-      </p:ext>
-    </p:extLst>
-  </p:cSld>
-  <p:clrMapOvr>
-    <a:masterClrMapping/>
-  </p:clrMapOvr>
-</p:sld>
-</file>
-
-<file path=ppt/slides/slide2.xml><?xml version="1.0" encoding="utf-8"?>
-<p:sld xmlns:a="http://schemas.openxmlformats.org/drawingml/2006/main" xmlns:r="http://schemas.openxmlformats.org/officeDocument/2006/relationships" xmlns:p="http://schemas.openxmlformats.org/presentationml/2006/main">
-  <p:cSld>
-    <p:spTree>
-      <p:nvGrpSpPr>
-        <p:cNvPr id="1" name=""/>
-        <p:cNvGrpSpPr/>
-        <p:nvPr/>
-      </p:nvGrpSpPr>
-      <p:grpSpPr>
-        <a:xfrm>
-          <a:off x="0" y="0"/>
-          <a:ext cx="0" cy="0"/>
-          <a:chOff x="0" y="0"/>
-          <a:chExt cx="0" cy="0"/>
-        </a:xfrm>
-      </p:grpSpPr>
-      <p:sp>
-        <p:nvSpPr>
-          <p:cNvPr id="12" name="타원 11">
-            <a:extLst>
-              <a:ext uri="{FF2B5EF4-FFF2-40B4-BE49-F238E27FC236}">
-                <a16:creationId xmlns:a16="http://schemas.microsoft.com/office/drawing/2014/main" id="{FFB6950C-7EE6-8712-7EEF-039EB90B174A}"/>
-              </a:ext>
-            </a:extLst>
-          </p:cNvPr>
-          <p:cNvSpPr/>
-          <p:nvPr/>
-        </p:nvSpPr>
-        <p:spPr>
-          <a:xfrm>
-            <a:off x="3580166" y="1339159"/>
-            <a:ext cx="1436334" cy="1436334"/>
-          </a:xfrm>
-          <a:prstGeom prst="ellipse">
-            <a:avLst/>
-          </a:prstGeom>
-          <a:gradFill flip="none" rotWithShape="1">
-            <a:gsLst>
-              <a:gs pos="0">
-                <a:srgbClr val="D0D8DE"/>
-              </a:gs>
-              <a:gs pos="100000">
-                <a:srgbClr val="F9FAFB"/>
-              </a:gs>
-            </a:gsLst>
-            <a:lin ang="2700000" scaled="1"/>
-            <a:tileRect/>
-          </a:gradFill>
-          <a:ln>
-            <a:noFill/>
-          </a:ln>
-        </p:spPr>
-        <p:style>
-          <a:lnRef idx="2">
-            <a:schemeClr val="accent1">
-              <a:shade val="50000"/>
-            </a:schemeClr>
-          </a:lnRef>
-          <a:fillRef idx="1">
-            <a:schemeClr val="accent1"/>
-          </a:fillRef>
-          <a:effectRef idx="0">
-            <a:schemeClr val="accent1"/>
-          </a:effectRef>
-          <a:fontRef idx="minor">
-            <a:schemeClr val="lt1"/>
-          </a:fontRef>
-        </p:style>
-        <p:txBody>
-          <a:bodyPr rtlCol="0" anchor="ctr"/>
-          <a:lstStyle/>
-          <a:p>
-            <a:pPr algn="ctr"/>
-            <a:endParaRPr lang="en-US"/>
-          </a:p>
-        </p:txBody>
-      </p:sp>
-      <p:sp>
-        <p:nvSpPr>
-          <p:cNvPr id="11" name="자유형: 도형 10">
-            <a:extLst>
-              <a:ext uri="{FF2B5EF4-FFF2-40B4-BE49-F238E27FC236}">
-                <a16:creationId xmlns:a16="http://schemas.microsoft.com/office/drawing/2014/main" id="{3AD8A4FC-734D-DF6F-B3C7-CE887B11928A}"/>
-              </a:ext>
-            </a:extLst>
-          </p:cNvPr>
-          <p:cNvSpPr/>
-          <p:nvPr/>
-        </p:nvSpPr>
-        <p:spPr>
-          <a:xfrm>
-            <a:off x="3580167" y="1339160"/>
-            <a:ext cx="1436333" cy="1436332"/>
-          </a:xfrm>
-          <a:custGeom>
-            <a:avLst/>
-            <a:gdLst>
-              <a:gd name="connsiteX0" fmla="*/ 1263446 w 2526892"/>
-              <a:gd name="connsiteY0" fmla="*/ 193914 h 2526892"/>
-              <a:gd name="connsiteX1" fmla="*/ 193913 w 2526892"/>
-              <a:gd name="connsiteY1" fmla="*/ 1263446 h 2526892"/>
-              <a:gd name="connsiteX2" fmla="*/ 1263446 w 2526892"/>
-              <a:gd name="connsiteY2" fmla="*/ 2332978 h 2526892"/>
-              <a:gd name="connsiteX3" fmla="*/ 2332979 w 2526892"/>
-              <a:gd name="connsiteY3" fmla="*/ 1263446 h 2526892"/>
-              <a:gd name="connsiteX4" fmla="*/ 1263446 w 2526892"/>
-              <a:gd name="connsiteY4" fmla="*/ 193914 h 2526892"/>
-              <a:gd name="connsiteX5" fmla="*/ 1263446 w 2526892"/>
-              <a:gd name="connsiteY5" fmla="*/ 0 h 2526892"/>
-              <a:gd name="connsiteX6" fmla="*/ 2526892 w 2526892"/>
-              <a:gd name="connsiteY6" fmla="*/ 1263446 h 2526892"/>
-              <a:gd name="connsiteX7" fmla="*/ 1263446 w 2526892"/>
-              <a:gd name="connsiteY7" fmla="*/ 2526892 h 2526892"/>
-              <a:gd name="connsiteX8" fmla="*/ 0 w 2526892"/>
-              <a:gd name="connsiteY8" fmla="*/ 1263446 h 2526892"/>
-              <a:gd name="connsiteX9" fmla="*/ 1263446 w 2526892"/>
-              <a:gd name="connsiteY9" fmla="*/ 0 h 2526892"/>
-            </a:gdLst>
-            <a:ahLst/>
-            <a:cxnLst>
-              <a:cxn ang="0">
-                <a:pos x="connsiteX0" y="connsiteY0"/>
-              </a:cxn>
-              <a:cxn ang="0">
-                <a:pos x="connsiteX1" y="connsiteY1"/>
-              </a:cxn>
-              <a:cxn ang="0">
-                <a:pos x="connsiteX2" y="connsiteY2"/>
-              </a:cxn>
-              <a:cxn ang="0">
-                <a:pos x="connsiteX3" y="connsiteY3"/>
-              </a:cxn>
-              <a:cxn ang="0">
-                <a:pos x="connsiteX4" y="connsiteY4"/>
-              </a:cxn>
-              <a:cxn ang="0">
-                <a:pos x="connsiteX5" y="connsiteY5"/>
-              </a:cxn>
-              <a:cxn ang="0">
-                <a:pos x="connsiteX6" y="connsiteY6"/>
-              </a:cxn>
-              <a:cxn ang="0">
-                <a:pos x="connsiteX7" y="connsiteY7"/>
-              </a:cxn>
-              <a:cxn ang="0">
-                <a:pos x="connsiteX8" y="connsiteY8"/>
-              </a:cxn>
-              <a:cxn ang="0">
-                <a:pos x="connsiteX9" y="connsiteY9"/>
-              </a:cxn>
-            </a:cxnLst>
-            <a:rect l="l" t="t" r="r" b="b"/>
-            <a:pathLst>
-              <a:path w="2526892" h="2526892">
-                <a:moveTo>
-                  <a:pt x="1263446" y="193914"/>
-                </a:moveTo>
-                <a:cubicBezTo>
-                  <a:pt x="672759" y="193914"/>
-                  <a:pt x="193913" y="672760"/>
-                  <a:pt x="193913" y="1263446"/>
-                </a:cubicBezTo>
-                <a:cubicBezTo>
-                  <a:pt x="193913" y="1854132"/>
-                  <a:pt x="672759" y="2332978"/>
-                  <a:pt x="1263446" y="2332978"/>
-                </a:cubicBezTo>
-                <a:cubicBezTo>
-                  <a:pt x="1854133" y="2332978"/>
-                  <a:pt x="2332979" y="1854132"/>
-                  <a:pt x="2332979" y="1263446"/>
-                </a:cubicBezTo>
-                <a:cubicBezTo>
-                  <a:pt x="2332979" y="672760"/>
-                  <a:pt x="1854133" y="193914"/>
-                  <a:pt x="1263446" y="193914"/>
-                </a:cubicBezTo>
-                <a:close/>
-                <a:moveTo>
-                  <a:pt x="1263446" y="0"/>
-                </a:moveTo>
-                <a:cubicBezTo>
-                  <a:pt x="1961228" y="0"/>
-                  <a:pt x="2526892" y="565664"/>
-                  <a:pt x="2526892" y="1263446"/>
-                </a:cubicBezTo>
-                <a:cubicBezTo>
-                  <a:pt x="2526892" y="1961228"/>
-                  <a:pt x="1961228" y="2526892"/>
-                  <a:pt x="1263446" y="2526892"/>
-                </a:cubicBezTo>
-                <a:cubicBezTo>
-                  <a:pt x="565664" y="2526892"/>
-                  <a:pt x="0" y="1961228"/>
-                  <a:pt x="0" y="1263446"/>
-                </a:cubicBezTo>
-                <a:cubicBezTo>
-                  <a:pt x="0" y="565664"/>
-                  <a:pt x="565664" y="0"/>
-                  <a:pt x="1263446" y="0"/>
-                </a:cubicBezTo>
-                <a:close/>
-              </a:path>
-            </a:pathLst>
-          </a:custGeom>
-          <a:solidFill>
-            <a:srgbClr val="5D7288"/>
-          </a:solidFill>
-        </p:spPr>
-        <p:style>
-          <a:lnRef idx="2">
-            <a:schemeClr val="accent1">
-              <a:shade val="50000"/>
-            </a:schemeClr>
-          </a:lnRef>
-          <a:fillRef idx="1">
-            <a:schemeClr val="accent1"/>
-          </a:fillRef>
-          <a:effectRef idx="0">
-            <a:schemeClr val="accent1"/>
-          </a:effectRef>
-          <a:fontRef idx="minor">
-            <a:schemeClr val="lt1"/>
-          </a:fontRef>
-        </p:style>
-        <p:txBody>
-          <a:bodyPr wrap="square" rtlCol="0" anchor="ctr">
-            <a:noAutofit/>
-          </a:bodyPr>
-          <a:lstStyle/>
-          <a:p>
-            <a:pPr algn="ctr"/>
-            <a:endParaRPr lang="en-US"/>
-          </a:p>
-        </p:txBody>
-      </p:sp>
-      <p:sp>
-        <p:nvSpPr>
-          <p:cNvPr id="7" name="직사각형 6">
-            <a:extLst>
-              <a:ext uri="{FF2B5EF4-FFF2-40B4-BE49-F238E27FC236}">
-                <a16:creationId xmlns:a16="http://schemas.microsoft.com/office/drawing/2014/main" id="{0D490FD0-6830-B2CB-3069-2851B5731F65}"/>
-              </a:ext>
-            </a:extLst>
-          </p:cNvPr>
-          <p:cNvSpPr/>
-          <p:nvPr/>
-        </p:nvSpPr>
-        <p:spPr>
-          <a:xfrm>
-            <a:off x="4195378" y="1187889"/>
-            <a:ext cx="205910" cy="109448"/>
-          </a:xfrm>
-          <a:prstGeom prst="rect">
-            <a:avLst/>
-          </a:prstGeom>
-          <a:solidFill>
-            <a:srgbClr val="0C516E"/>
-          </a:solidFill>
-        </p:spPr>
-        <p:style>
-          <a:lnRef idx="2">
-            <a:schemeClr val="accent1">
-              <a:shade val="50000"/>
-            </a:schemeClr>
-          </a:lnRef>
-          <a:fillRef idx="1">
-            <a:schemeClr val="accent1"/>
-          </a:fillRef>
-          <a:effectRef idx="0">
-            <a:schemeClr val="accent1"/>
-          </a:effectRef>
-          <a:fontRef idx="minor">
-            <a:schemeClr val="lt1"/>
-          </a:fontRef>
-        </p:style>
-        <p:txBody>
-          <a:bodyPr rtlCol="0" anchor="ctr"/>
-          <a:lstStyle/>
-          <a:p>
-            <a:pPr algn="ctr"/>
-            <a:endParaRPr lang="en-US"/>
-          </a:p>
-        </p:txBody>
-      </p:sp>
-      <p:sp>
-        <p:nvSpPr>
-          <p:cNvPr id="8" name="직사각형 7">
-            <a:extLst>
-              <a:ext uri="{FF2B5EF4-FFF2-40B4-BE49-F238E27FC236}">
-                <a16:creationId xmlns:a16="http://schemas.microsoft.com/office/drawing/2014/main" id="{A4B7071F-ABC6-6AE9-1B63-A337D8E05B5C}"/>
-              </a:ext>
-            </a:extLst>
-          </p:cNvPr>
-          <p:cNvSpPr/>
-          <p:nvPr/>
-        </p:nvSpPr>
-        <p:spPr>
-          <a:xfrm rot="2746027">
-            <a:off x="4734613" y="1465197"/>
-            <a:ext cx="246951" cy="81574"/>
-          </a:xfrm>
-          <a:prstGeom prst="rect">
-            <a:avLst/>
-          </a:prstGeom>
-          <a:solidFill>
-            <a:srgbClr val="547998"/>
-          </a:solidFill>
-        </p:spPr>
-        <p:style>
-          <a:lnRef idx="2">
-            <a:schemeClr val="accent1">
-              <a:shade val="50000"/>
-            </a:schemeClr>
-          </a:lnRef>
-          <a:fillRef idx="1">
-            <a:schemeClr val="accent1"/>
-          </a:fillRef>
-          <a:effectRef idx="0">
-            <a:schemeClr val="accent1"/>
-          </a:effectRef>
-          <a:fontRef idx="minor">
-            <a:schemeClr val="lt1"/>
-          </a:fontRef>
-        </p:style>
-        <p:txBody>
-          <a:bodyPr rtlCol="0" anchor="ctr"/>
-          <a:lstStyle/>
-          <a:p>
-            <a:pPr algn="ctr"/>
-            <a:endParaRPr lang="en-US"/>
-          </a:p>
-        </p:txBody>
-      </p:sp>
-      <p:sp>
-        <p:nvSpPr>
-          <p:cNvPr id="9" name="직사각형 8">
-            <a:extLst>
-              <a:ext uri="{FF2B5EF4-FFF2-40B4-BE49-F238E27FC236}">
-                <a16:creationId xmlns:a16="http://schemas.microsoft.com/office/drawing/2014/main" id="{39281E2B-EA9F-33BA-50CA-5CF893DB77F9}"/>
-              </a:ext>
-            </a:extLst>
-          </p:cNvPr>
-          <p:cNvSpPr/>
-          <p:nvPr/>
-        </p:nvSpPr>
-        <p:spPr>
-          <a:xfrm rot="2746027">
-            <a:off x="4821240" y="1386991"/>
-            <a:ext cx="246951" cy="81574"/>
-          </a:xfrm>
-          <a:prstGeom prst="rect">
-            <a:avLst/>
-          </a:prstGeom>
-          <a:solidFill>
-            <a:srgbClr val="547998"/>
-          </a:solidFill>
-        </p:spPr>
-        <p:style>
-          <a:lnRef idx="2">
-            <a:schemeClr val="accent1">
-              <a:shade val="50000"/>
-            </a:schemeClr>
-          </a:lnRef>
-          <a:fillRef idx="1">
-            <a:schemeClr val="accent1"/>
-          </a:fillRef>
-          <a:effectRef idx="0">
-            <a:schemeClr val="accent1"/>
-          </a:effectRef>
-          <a:fontRef idx="minor">
-            <a:schemeClr val="lt1"/>
-          </a:fontRef>
-        </p:style>
-        <p:txBody>
-          <a:bodyPr rtlCol="0" anchor="ctr"/>
-          <a:lstStyle/>
-          <a:p>
-            <a:pPr algn="ctr"/>
-            <a:endParaRPr lang="en-US"/>
-          </a:p>
-        </p:txBody>
-      </p:sp>
-      <p:sp>
-        <p:nvSpPr>
-          <p:cNvPr id="14" name="직사각형 13">
-            <a:extLst>
-              <a:ext uri="{FF2B5EF4-FFF2-40B4-BE49-F238E27FC236}">
-                <a16:creationId xmlns:a16="http://schemas.microsoft.com/office/drawing/2014/main" id="{5D72027B-228B-BF78-5218-334D5ED1065D}"/>
-              </a:ext>
-            </a:extLst>
-          </p:cNvPr>
-          <p:cNvSpPr/>
-          <p:nvPr/>
-        </p:nvSpPr>
-        <p:spPr>
-          <a:xfrm rot="2746027">
-            <a:off x="4221179" y="2189952"/>
-            <a:ext cx="580035" cy="81574"/>
-          </a:xfrm>
-          <a:prstGeom prst="rect">
-            <a:avLst/>
-          </a:prstGeom>
-          <a:solidFill>
-            <a:srgbClr val="5D7288"/>
-          </a:solidFill>
-        </p:spPr>
-        <p:style>
-          <a:lnRef idx="2">
-            <a:schemeClr val="accent1">
-              <a:shade val="50000"/>
-            </a:schemeClr>
-          </a:lnRef>
-          <a:fillRef idx="1">
-            <a:schemeClr val="accent1"/>
-          </a:fillRef>
-          <a:effectRef idx="0">
-            <a:schemeClr val="accent1"/>
-          </a:effectRef>
-          <a:fontRef idx="minor">
-            <a:schemeClr val="lt1"/>
-          </a:fontRef>
-        </p:style>
-        <p:txBody>
-          <a:bodyPr rtlCol="0" anchor="ctr"/>
-          <a:lstStyle/>
-          <a:p>
-            <a:pPr algn="ctr"/>
-            <a:endParaRPr lang="en-US"/>
-          </a:p>
-        </p:txBody>
-      </p:sp>
-      <p:sp>
-        <p:nvSpPr>
-          <p:cNvPr id="17" name="TextBox 16">
-            <a:extLst>
-              <a:ext uri="{FF2B5EF4-FFF2-40B4-BE49-F238E27FC236}">
-                <a16:creationId xmlns:a16="http://schemas.microsoft.com/office/drawing/2014/main" id="{032D9C2D-C3B7-57CB-7945-13447DF3C97F}"/>
-              </a:ext>
-            </a:extLst>
-          </p:cNvPr>
-          <p:cNvSpPr txBox="1"/>
-          <p:nvPr/>
-        </p:nvSpPr>
-        <p:spPr>
-          <a:xfrm>
-            <a:off x="3795054" y="2920755"/>
-            <a:ext cx="1006558" cy="369332"/>
-          </a:xfrm>
-          <a:prstGeom prst="rect">
-            <a:avLst/>
-          </a:prstGeom>
-          <a:noFill/>
-        </p:spPr>
-        <p:txBody>
-          <a:bodyPr wrap="none" rtlCol="0">
-            <a:spAutoFit/>
-          </a:bodyPr>
-          <a:lstStyle/>
-          <a:p>
-            <a:pPr algn="ctr"/>
-            <a:r>
-              <a:rPr lang="en-US" dirty="0"/>
-              <a:t>Duration</a:t>
-            </a:r>
-          </a:p>
-        </p:txBody>
-      </p:sp>
-      <p:sp>
-        <p:nvSpPr>
-          <p:cNvPr id="18" name="Freeform: Shape 59">
-            <a:extLst>
-              <a:ext uri="{FF2B5EF4-FFF2-40B4-BE49-F238E27FC236}">
-                <a16:creationId xmlns:a16="http://schemas.microsoft.com/office/drawing/2014/main" id="{5691432E-4D27-8E06-B9B5-9B4ADE8B3620}"/>
-              </a:ext>
-            </a:extLst>
-          </p:cNvPr>
-          <p:cNvSpPr/>
-          <p:nvPr/>
-        </p:nvSpPr>
-        <p:spPr>
-          <a:xfrm>
-            <a:off x="6040732" y="1341452"/>
-            <a:ext cx="1347524" cy="1335806"/>
-          </a:xfrm>
-          <a:custGeom>
-            <a:avLst/>
-            <a:gdLst>
-              <a:gd name="connsiteX0" fmla="*/ 0 w 1813035"/>
-              <a:gd name="connsiteY0" fmla="*/ 0 h 1797269"/>
-              <a:gd name="connsiteX1" fmla="*/ 1813035 w 1813035"/>
-              <a:gd name="connsiteY1" fmla="*/ 0 h 1797269"/>
-              <a:gd name="connsiteX2" fmla="*/ 1813035 w 1813035"/>
-              <a:gd name="connsiteY2" fmla="*/ 1402341 h 1797269"/>
-              <a:gd name="connsiteX3" fmla="*/ 1418107 w 1813035"/>
-              <a:gd name="connsiteY3" fmla="*/ 1797269 h 1797269"/>
-              <a:gd name="connsiteX4" fmla="*/ 0 w 1813035"/>
-              <a:gd name="connsiteY4" fmla="*/ 1797269 h 1797269"/>
-            </a:gdLst>
-            <a:ahLst/>
-            <a:cxnLst>
-              <a:cxn ang="0">
-                <a:pos x="connsiteX0" y="connsiteY0"/>
-              </a:cxn>
-              <a:cxn ang="0">
-                <a:pos x="connsiteX1" y="connsiteY1"/>
-              </a:cxn>
-              <a:cxn ang="0">
-                <a:pos x="connsiteX2" y="connsiteY2"/>
-              </a:cxn>
-              <a:cxn ang="0">
-                <a:pos x="connsiteX3" y="connsiteY3"/>
-              </a:cxn>
-              <a:cxn ang="0">
-                <a:pos x="connsiteX4" y="connsiteY4"/>
-              </a:cxn>
-            </a:cxnLst>
-            <a:rect l="l" t="t" r="r" b="b"/>
-            <a:pathLst>
-              <a:path w="1813035" h="1797269">
-                <a:moveTo>
-                  <a:pt x="0" y="0"/>
-                </a:moveTo>
-                <a:lnTo>
-                  <a:pt x="1813035" y="0"/>
-                </a:lnTo>
-                <a:lnTo>
-                  <a:pt x="1813035" y="1402341"/>
-                </a:lnTo>
-                <a:lnTo>
-                  <a:pt x="1418107" y="1797269"/>
-                </a:lnTo>
-                <a:lnTo>
-                  <a:pt x="0" y="1797269"/>
-                </a:lnTo>
-                <a:close/>
-              </a:path>
-            </a:pathLst>
-          </a:custGeom>
-          <a:gradFill>
-            <a:gsLst>
-              <a:gs pos="43000">
-                <a:srgbClr val="FBEFA0"/>
-              </a:gs>
-              <a:gs pos="0">
-                <a:schemeClr val="accent1">
-                  <a:lumMod val="5000"/>
-                  <a:lumOff val="95000"/>
-                </a:schemeClr>
-              </a:gs>
-              <a:gs pos="100000">
-                <a:srgbClr val="FCEE94"/>
-              </a:gs>
-            </a:gsLst>
-            <a:lin ang="2700000" scaled="0"/>
-          </a:gradFill>
-          <a:ln>
-            <a:noFill/>
-          </a:ln>
-        </p:spPr>
-        <p:style>
-          <a:lnRef idx="2">
-            <a:schemeClr val="accent1">
-              <a:shade val="50000"/>
-            </a:schemeClr>
-          </a:lnRef>
-          <a:fillRef idx="1">
-            <a:schemeClr val="accent1"/>
-          </a:fillRef>
-          <a:effectRef idx="0">
-            <a:schemeClr val="accent1"/>
-          </a:effectRef>
-          <a:fontRef idx="minor">
-            <a:schemeClr val="lt1"/>
-          </a:fontRef>
-        </p:style>
-        <p:txBody>
-          <a:bodyPr wrap="square" rtlCol="0" anchor="ctr">
-            <a:noAutofit/>
-          </a:bodyPr>
-          <a:lstStyle/>
-          <a:p>
-            <a:pPr algn="ctr"/>
-            <a:endParaRPr lang="en-US" sz="1200"/>
-          </a:p>
-        </p:txBody>
-      </p:sp>
-      <p:sp>
-        <p:nvSpPr>
-          <p:cNvPr id="20" name="Rectangle 60">
-            <a:extLst>
-              <a:ext uri="{FF2B5EF4-FFF2-40B4-BE49-F238E27FC236}">
-                <a16:creationId xmlns:a16="http://schemas.microsoft.com/office/drawing/2014/main" id="{01C54576-7631-E423-50B8-BCD80E78C7AE}"/>
-              </a:ext>
-            </a:extLst>
-          </p:cNvPr>
-          <p:cNvSpPr/>
-          <p:nvPr/>
-        </p:nvSpPr>
-        <p:spPr>
-          <a:xfrm>
-            <a:off x="6048543" y="1345749"/>
-            <a:ext cx="1339713" cy="234352"/>
-          </a:xfrm>
-          <a:prstGeom prst="rect">
-            <a:avLst/>
-          </a:prstGeom>
-          <a:solidFill>
-            <a:schemeClr val="accent1">
-              <a:lumMod val="20000"/>
-              <a:lumOff val="80000"/>
-            </a:schemeClr>
-          </a:solidFill>
-          <a:ln w="117475">
-            <a:solidFill>
-              <a:srgbClr val="2F528F"/>
-            </a:solidFill>
-          </a:ln>
-        </p:spPr>
-        <p:style>
-          <a:lnRef idx="2">
-            <a:schemeClr val="accent1">
-              <a:shade val="50000"/>
-            </a:schemeClr>
-          </a:lnRef>
-          <a:fillRef idx="1">
-            <a:schemeClr val="accent1"/>
-          </a:fillRef>
-          <a:effectRef idx="0">
-            <a:schemeClr val="accent1"/>
-          </a:effectRef>
-          <a:fontRef idx="minor">
-            <a:schemeClr val="lt1"/>
-          </a:fontRef>
-        </p:style>
-        <p:txBody>
-          <a:bodyPr rtlCol="0" anchor="ctr"/>
-          <a:lstStyle/>
-          <a:p>
-            <a:pPr algn="ctr"/>
-            <a:endParaRPr lang="en-US" sz="1200"/>
-          </a:p>
-        </p:txBody>
-      </p:sp>
-      <p:sp>
-        <p:nvSpPr>
-          <p:cNvPr id="21" name="Freeform: Shape 58">
-            <a:extLst>
-              <a:ext uri="{FF2B5EF4-FFF2-40B4-BE49-F238E27FC236}">
-                <a16:creationId xmlns:a16="http://schemas.microsoft.com/office/drawing/2014/main" id="{F80C6892-75B0-6FC9-D8B1-B99E320C2805}"/>
-              </a:ext>
-            </a:extLst>
-          </p:cNvPr>
-          <p:cNvSpPr/>
-          <p:nvPr/>
-        </p:nvSpPr>
-        <p:spPr>
-          <a:xfrm>
-            <a:off x="6034876" y="1345749"/>
-            <a:ext cx="1359242" cy="1359242"/>
-          </a:xfrm>
-          <a:custGeom>
-            <a:avLst/>
-            <a:gdLst>
-              <a:gd name="connsiteX0" fmla="*/ 0 w 1828800"/>
-              <a:gd name="connsiteY0" fmla="*/ 0 h 1828800"/>
-              <a:gd name="connsiteX1" fmla="*/ 1828800 w 1828800"/>
-              <a:gd name="connsiteY1" fmla="*/ 0 h 1828800"/>
-              <a:gd name="connsiteX2" fmla="*/ 1828800 w 1828800"/>
-              <a:gd name="connsiteY2" fmla="*/ 1363876 h 1828800"/>
-              <a:gd name="connsiteX3" fmla="*/ 1363876 w 1828800"/>
-              <a:gd name="connsiteY3" fmla="*/ 1828800 h 1828800"/>
-              <a:gd name="connsiteX4" fmla="*/ 0 w 1828800"/>
-              <a:gd name="connsiteY4" fmla="*/ 1828800 h 1828800"/>
-            </a:gdLst>
-            <a:ahLst/>
-            <a:cxnLst>
-              <a:cxn ang="0">
-                <a:pos x="connsiteX0" y="connsiteY0"/>
-              </a:cxn>
-              <a:cxn ang="0">
-                <a:pos x="connsiteX1" y="connsiteY1"/>
-              </a:cxn>
-              <a:cxn ang="0">
-                <a:pos x="connsiteX2" y="connsiteY2"/>
-              </a:cxn>
-              <a:cxn ang="0">
-                <a:pos x="connsiteX3" y="connsiteY3"/>
-              </a:cxn>
-              <a:cxn ang="0">
-                <a:pos x="connsiteX4" y="connsiteY4"/>
-              </a:cxn>
-            </a:cxnLst>
-            <a:rect l="l" t="t" r="r" b="b"/>
-            <a:pathLst>
-              <a:path w="1828800" h="1828800">
-                <a:moveTo>
-                  <a:pt x="0" y="0"/>
-                </a:moveTo>
-                <a:lnTo>
-                  <a:pt x="1828800" y="0"/>
-                </a:lnTo>
-                <a:lnTo>
-                  <a:pt x="1828800" y="1363876"/>
-                </a:lnTo>
-                <a:lnTo>
-                  <a:pt x="1363876" y="1828800"/>
-                </a:lnTo>
-                <a:lnTo>
-                  <a:pt x="0" y="1828800"/>
-                </a:lnTo>
-                <a:close/>
-              </a:path>
-            </a:pathLst>
-          </a:custGeom>
-          <a:noFill/>
-          <a:ln w="117475"/>
-        </p:spPr>
-        <p:style>
-          <a:lnRef idx="2">
-            <a:schemeClr val="accent1">
-              <a:shade val="50000"/>
-            </a:schemeClr>
-          </a:lnRef>
-          <a:fillRef idx="1">
-            <a:schemeClr val="accent1"/>
-          </a:fillRef>
-          <a:effectRef idx="0">
-            <a:schemeClr val="accent1"/>
-          </a:effectRef>
-          <a:fontRef idx="minor">
-            <a:schemeClr val="lt1"/>
-          </a:fontRef>
-        </p:style>
-        <p:txBody>
-          <a:bodyPr wrap="square" rtlCol="0" anchor="ctr">
-            <a:noAutofit/>
-          </a:bodyPr>
-          <a:lstStyle/>
-          <a:p>
-            <a:pPr algn="ctr"/>
-            <a:endParaRPr lang="en-US" sz="1200"/>
-          </a:p>
-        </p:txBody>
-      </p:sp>
-      <p:sp>
-        <p:nvSpPr>
-          <p:cNvPr id="22" name="TextBox 21">
-            <a:extLst>
-              <a:ext uri="{FF2B5EF4-FFF2-40B4-BE49-F238E27FC236}">
-                <a16:creationId xmlns:a16="http://schemas.microsoft.com/office/drawing/2014/main" id="{1BDF2D7D-61F8-F568-0DAA-CB0BBE68DB48}"/>
-              </a:ext>
-            </a:extLst>
-          </p:cNvPr>
-          <p:cNvSpPr txBox="1"/>
-          <p:nvPr/>
-        </p:nvSpPr>
-        <p:spPr>
-          <a:xfrm>
-            <a:off x="5806620" y="2920755"/>
-            <a:ext cx="1815754" cy="369332"/>
-          </a:xfrm>
-          <a:prstGeom prst="rect">
-            <a:avLst/>
-          </a:prstGeom>
-          <a:noFill/>
-        </p:spPr>
-        <p:txBody>
-          <a:bodyPr wrap="none" rtlCol="0">
-            <a:spAutoFit/>
-          </a:bodyPr>
-          <a:lstStyle/>
-          <a:p>
-            <a:pPr algn="ctr"/>
-            <a:r>
-              <a:rPr lang="en-US" dirty="0"/>
-              <a:t>calendarDuration</a:t>
-            </a:r>
-          </a:p>
-        </p:txBody>
-      </p:sp>
       <p:grpSp>
         <p:nvGrpSpPr>
-          <p:cNvPr id="32" name="그룹 31">
-            <a:extLst>
-              <a:ext uri="{FF2B5EF4-FFF2-40B4-BE49-F238E27FC236}">
-                <a16:creationId xmlns:a16="http://schemas.microsoft.com/office/drawing/2014/main" id="{324C4348-8DA2-14BB-39BA-097CB67BC7C9}"/>
+          <p:cNvPr id="91" name="그룹 90">
+            <a:extLst>
+              <a:ext uri="{FF2B5EF4-FFF2-40B4-BE49-F238E27FC236}">
+                <a16:creationId xmlns:a16="http://schemas.microsoft.com/office/drawing/2014/main" id="{BDD78C12-22BC-88EE-2E6D-618E9B6E54A3}"/>
               </a:ext>
             </a:extLst>
           </p:cNvPr>
@@ -8699,18 +7904,18 @@
         </p:nvGrpSpPr>
         <p:grpSpPr>
           <a:xfrm>
-            <a:off x="6215267" y="1729261"/>
-            <a:ext cx="998453" cy="798836"/>
-            <a:chOff x="4413130" y="1855965"/>
-            <a:chExt cx="2157612" cy="1585008"/>
+            <a:off x="9488363" y="215028"/>
+            <a:ext cx="1222325" cy="1788978"/>
+            <a:chOff x="9488362" y="215028"/>
+            <a:chExt cx="1222325" cy="1788978"/>
           </a:xfrm>
         </p:grpSpPr>
         <p:sp>
           <p:nvSpPr>
-            <p:cNvPr id="25" name="직사각형 24">
+            <p:cNvPr id="2" name="타원 1">
               <a:extLst>
                 <a:ext uri="{FF2B5EF4-FFF2-40B4-BE49-F238E27FC236}">
-                  <a16:creationId xmlns:a16="http://schemas.microsoft.com/office/drawing/2014/main" id="{87F59868-054C-D432-5F6E-07DBD92B3653}"/>
+                  <a16:creationId xmlns:a16="http://schemas.microsoft.com/office/drawing/2014/main" id="{2D294F84-E153-2389-5CE9-038ED5515825}"/>
                 </a:ext>
               </a:extLst>
             </p:cNvPr>
@@ -8719,848 +7924,8 @@
           </p:nvSpPr>
           <p:spPr>
             <a:xfrm>
-              <a:off x="5213377" y="1855965"/>
-              <a:ext cx="531865" cy="373427"/>
-            </a:xfrm>
-            <a:prstGeom prst="rect">
-              <a:avLst/>
-            </a:prstGeom>
-            <a:solidFill>
-              <a:srgbClr val="9BA993"/>
-            </a:solidFill>
-          </p:spPr>
-          <p:style>
-            <a:lnRef idx="2">
-              <a:schemeClr val="accent1">
-                <a:shade val="50000"/>
-              </a:schemeClr>
-            </a:lnRef>
-            <a:fillRef idx="1">
-              <a:schemeClr val="accent1"/>
-            </a:fillRef>
-            <a:effectRef idx="0">
-              <a:schemeClr val="accent1"/>
-            </a:effectRef>
-            <a:fontRef idx="minor">
-              <a:schemeClr val="lt1"/>
-            </a:fontRef>
-          </p:style>
-          <p:txBody>
-            <a:bodyPr rtlCol="0" anchor="ctr"/>
-            <a:lstStyle/>
-            <a:p>
-              <a:pPr algn="ctr"/>
-              <a:endParaRPr lang="en-US"/>
-            </a:p>
-          </p:txBody>
-        </p:sp>
-        <p:sp>
-          <p:nvSpPr>
-            <p:cNvPr id="26" name="직사각형 25">
-              <a:extLst>
-                <a:ext uri="{FF2B5EF4-FFF2-40B4-BE49-F238E27FC236}">
-                  <a16:creationId xmlns:a16="http://schemas.microsoft.com/office/drawing/2014/main" id="{621038B1-D1D6-D373-6F84-4EF2A7ADBF0E}"/>
-                </a:ext>
-              </a:extLst>
-            </p:cNvPr>
-            <p:cNvSpPr/>
-            <p:nvPr/>
-          </p:nvSpPr>
-          <p:spPr>
-            <a:xfrm>
-              <a:off x="6038877" y="1855965"/>
-              <a:ext cx="531865" cy="373427"/>
-            </a:xfrm>
-            <a:prstGeom prst="rect">
-              <a:avLst/>
-            </a:prstGeom>
-            <a:solidFill>
-              <a:srgbClr val="9BA993"/>
-            </a:solidFill>
-          </p:spPr>
-          <p:style>
-            <a:lnRef idx="2">
-              <a:schemeClr val="accent1">
-                <a:shade val="50000"/>
-              </a:schemeClr>
-            </a:lnRef>
-            <a:fillRef idx="1">
-              <a:schemeClr val="accent1"/>
-            </a:fillRef>
-            <a:effectRef idx="0">
-              <a:schemeClr val="accent1"/>
-            </a:effectRef>
-            <a:fontRef idx="minor">
-              <a:schemeClr val="lt1"/>
-            </a:fontRef>
-          </p:style>
-          <p:txBody>
-            <a:bodyPr rtlCol="0" anchor="ctr"/>
-            <a:lstStyle/>
-            <a:p>
-              <a:pPr algn="ctr"/>
-              <a:endParaRPr lang="en-US"/>
-            </a:p>
-          </p:txBody>
-        </p:sp>
-        <p:sp>
-          <p:nvSpPr>
-            <p:cNvPr id="27" name="직사각형 26">
-              <a:extLst>
-                <a:ext uri="{FF2B5EF4-FFF2-40B4-BE49-F238E27FC236}">
-                  <a16:creationId xmlns:a16="http://schemas.microsoft.com/office/drawing/2014/main" id="{95EB3178-D5DD-ECBA-DE62-F985C8C29E63}"/>
-                </a:ext>
-              </a:extLst>
-            </p:cNvPr>
-            <p:cNvSpPr/>
-            <p:nvPr/>
-          </p:nvSpPr>
-          <p:spPr>
-            <a:xfrm>
-              <a:off x="5213377" y="2452865"/>
-              <a:ext cx="531865" cy="373427"/>
-            </a:xfrm>
-            <a:prstGeom prst="rect">
-              <a:avLst/>
-            </a:prstGeom>
-            <a:solidFill>
-              <a:srgbClr val="1A4B79"/>
-            </a:solidFill>
-          </p:spPr>
-          <p:style>
-            <a:lnRef idx="2">
-              <a:schemeClr val="accent1">
-                <a:shade val="50000"/>
-              </a:schemeClr>
-            </a:lnRef>
-            <a:fillRef idx="1">
-              <a:schemeClr val="accent1"/>
-            </a:fillRef>
-            <a:effectRef idx="0">
-              <a:schemeClr val="accent1"/>
-            </a:effectRef>
-            <a:fontRef idx="minor">
-              <a:schemeClr val="lt1"/>
-            </a:fontRef>
-          </p:style>
-          <p:txBody>
-            <a:bodyPr rtlCol="0" anchor="ctr"/>
-            <a:lstStyle/>
-            <a:p>
-              <a:pPr algn="ctr"/>
-              <a:endParaRPr lang="en-US"/>
-            </a:p>
-          </p:txBody>
-        </p:sp>
-        <p:sp>
-          <p:nvSpPr>
-            <p:cNvPr id="28" name="직사각형 27">
-              <a:extLst>
-                <a:ext uri="{FF2B5EF4-FFF2-40B4-BE49-F238E27FC236}">
-                  <a16:creationId xmlns:a16="http://schemas.microsoft.com/office/drawing/2014/main" id="{962CB256-110E-42BF-F11D-3F80D0B48E27}"/>
-                </a:ext>
-              </a:extLst>
-            </p:cNvPr>
-            <p:cNvSpPr/>
-            <p:nvPr/>
-          </p:nvSpPr>
-          <p:spPr>
-            <a:xfrm>
-              <a:off x="6038877" y="2452865"/>
-              <a:ext cx="531865" cy="373427"/>
-            </a:xfrm>
-            <a:prstGeom prst="rect">
-              <a:avLst/>
-            </a:prstGeom>
-            <a:solidFill>
-              <a:srgbClr val="1A4B79"/>
-            </a:solidFill>
-          </p:spPr>
-          <p:style>
-            <a:lnRef idx="2">
-              <a:schemeClr val="accent1">
-                <a:shade val="50000"/>
-              </a:schemeClr>
-            </a:lnRef>
-            <a:fillRef idx="1">
-              <a:schemeClr val="accent1"/>
-            </a:fillRef>
-            <a:effectRef idx="0">
-              <a:schemeClr val="accent1"/>
-            </a:effectRef>
-            <a:fontRef idx="minor">
-              <a:schemeClr val="lt1"/>
-            </a:fontRef>
-          </p:style>
-          <p:txBody>
-            <a:bodyPr rtlCol="0" anchor="ctr"/>
-            <a:lstStyle/>
-            <a:p>
-              <a:pPr algn="ctr"/>
-              <a:endParaRPr lang="en-US"/>
-            </a:p>
-          </p:txBody>
-        </p:sp>
-        <p:sp>
-          <p:nvSpPr>
-            <p:cNvPr id="29" name="직사각형 28">
-              <a:extLst>
-                <a:ext uri="{FF2B5EF4-FFF2-40B4-BE49-F238E27FC236}">
-                  <a16:creationId xmlns:a16="http://schemas.microsoft.com/office/drawing/2014/main" id="{3382B194-0EC0-9195-32C0-A5771D807D7C}"/>
-                </a:ext>
-              </a:extLst>
-            </p:cNvPr>
-            <p:cNvSpPr/>
-            <p:nvPr/>
-          </p:nvSpPr>
-          <p:spPr>
-            <a:xfrm>
-              <a:off x="4425063" y="2452865"/>
-              <a:ext cx="531865" cy="373427"/>
-            </a:xfrm>
-            <a:prstGeom prst="rect">
-              <a:avLst/>
-            </a:prstGeom>
-            <a:solidFill>
-              <a:srgbClr val="1A4B79"/>
-            </a:solidFill>
-          </p:spPr>
-          <p:style>
-            <a:lnRef idx="2">
-              <a:schemeClr val="accent1">
-                <a:shade val="50000"/>
-              </a:schemeClr>
-            </a:lnRef>
-            <a:fillRef idx="1">
-              <a:schemeClr val="accent1"/>
-            </a:fillRef>
-            <a:effectRef idx="0">
-              <a:schemeClr val="accent1"/>
-            </a:effectRef>
-            <a:fontRef idx="minor">
-              <a:schemeClr val="lt1"/>
-            </a:fontRef>
-          </p:style>
-          <p:txBody>
-            <a:bodyPr rtlCol="0" anchor="ctr"/>
-            <a:lstStyle/>
-            <a:p>
-              <a:pPr algn="ctr"/>
-              <a:endParaRPr lang="en-US"/>
-            </a:p>
-          </p:txBody>
-        </p:sp>
-        <p:sp>
-          <p:nvSpPr>
-            <p:cNvPr id="30" name="직사각형 29">
-              <a:extLst>
-                <a:ext uri="{FF2B5EF4-FFF2-40B4-BE49-F238E27FC236}">
-                  <a16:creationId xmlns:a16="http://schemas.microsoft.com/office/drawing/2014/main" id="{8003E217-C6B5-A08A-CF2C-BC15C95EBD81}"/>
-                </a:ext>
-              </a:extLst>
-            </p:cNvPr>
-            <p:cNvSpPr/>
-            <p:nvPr/>
-          </p:nvSpPr>
-          <p:spPr>
-            <a:xfrm>
-              <a:off x="5213377" y="3067546"/>
-              <a:ext cx="531865" cy="373427"/>
-            </a:xfrm>
-            <a:prstGeom prst="rect">
-              <a:avLst/>
-            </a:prstGeom>
-            <a:solidFill>
-              <a:srgbClr val="9BA993"/>
-            </a:solidFill>
-          </p:spPr>
-          <p:style>
-            <a:lnRef idx="2">
-              <a:schemeClr val="accent1">
-                <a:shade val="50000"/>
-              </a:schemeClr>
-            </a:lnRef>
-            <a:fillRef idx="1">
-              <a:schemeClr val="accent1"/>
-            </a:fillRef>
-            <a:effectRef idx="0">
-              <a:schemeClr val="accent1"/>
-            </a:effectRef>
-            <a:fontRef idx="minor">
-              <a:schemeClr val="lt1"/>
-            </a:fontRef>
-          </p:style>
-          <p:txBody>
-            <a:bodyPr rtlCol="0" anchor="ctr"/>
-            <a:lstStyle/>
-            <a:p>
-              <a:pPr algn="ctr"/>
-              <a:endParaRPr lang="en-US"/>
-            </a:p>
-          </p:txBody>
-        </p:sp>
-        <p:sp>
-          <p:nvSpPr>
-            <p:cNvPr id="31" name="직사각형 30">
-              <a:extLst>
-                <a:ext uri="{FF2B5EF4-FFF2-40B4-BE49-F238E27FC236}">
-                  <a16:creationId xmlns:a16="http://schemas.microsoft.com/office/drawing/2014/main" id="{3842E86B-AAA8-10A6-11B0-93A9B25CE9A8}"/>
-                </a:ext>
-              </a:extLst>
-            </p:cNvPr>
-            <p:cNvSpPr/>
-            <p:nvPr/>
-          </p:nvSpPr>
-          <p:spPr>
-            <a:xfrm>
-              <a:off x="4413130" y="3067546"/>
-              <a:ext cx="531865" cy="373427"/>
-            </a:xfrm>
-            <a:prstGeom prst="rect">
-              <a:avLst/>
-            </a:prstGeom>
-            <a:solidFill>
-              <a:srgbClr val="9BA993"/>
-            </a:solidFill>
-          </p:spPr>
-          <p:style>
-            <a:lnRef idx="2">
-              <a:schemeClr val="accent1">
-                <a:shade val="50000"/>
-              </a:schemeClr>
-            </a:lnRef>
-            <a:fillRef idx="1">
-              <a:schemeClr val="accent1"/>
-            </a:fillRef>
-            <a:effectRef idx="0">
-              <a:schemeClr val="accent1"/>
-            </a:effectRef>
-            <a:fontRef idx="minor">
-              <a:schemeClr val="lt1"/>
-            </a:fontRef>
-          </p:style>
-          <p:txBody>
-            <a:bodyPr rtlCol="0" anchor="ctr"/>
-            <a:lstStyle/>
-            <a:p>
-              <a:pPr algn="ctr"/>
-              <a:endParaRPr lang="en-US"/>
-            </a:p>
-          </p:txBody>
-        </p:sp>
-      </p:grpSp>
-      <p:sp>
-        <p:nvSpPr>
-          <p:cNvPr id="2" name="Rectangle 77">
-            <a:extLst>
-              <a:ext uri="{FF2B5EF4-FFF2-40B4-BE49-F238E27FC236}">
-                <a16:creationId xmlns:a16="http://schemas.microsoft.com/office/drawing/2014/main" id="{9B56F6C6-6B3E-FCE0-169C-154CEFAABE2A}"/>
-              </a:ext>
-            </a:extLst>
-          </p:cNvPr>
-          <p:cNvSpPr/>
-          <p:nvPr/>
-        </p:nvSpPr>
-        <p:spPr>
-          <a:xfrm>
-            <a:off x="8508196" y="1345749"/>
-            <a:ext cx="1347524" cy="1335806"/>
-          </a:xfrm>
-          <a:prstGeom prst="rect">
-            <a:avLst/>
-          </a:prstGeom>
-          <a:gradFill>
-            <a:gsLst>
-              <a:gs pos="43000">
-                <a:srgbClr val="FBEFA0"/>
-              </a:gs>
-              <a:gs pos="0">
-                <a:schemeClr val="accent1">
-                  <a:lumMod val="5000"/>
-                  <a:lumOff val="95000"/>
-                </a:schemeClr>
-              </a:gs>
-              <a:gs pos="100000">
-                <a:srgbClr val="FCEE94"/>
-              </a:gs>
-            </a:gsLst>
-            <a:lin ang="2700000" scaled="0"/>
-          </a:gradFill>
-          <a:ln>
-            <a:noFill/>
-          </a:ln>
-        </p:spPr>
-        <p:style>
-          <a:lnRef idx="2">
-            <a:schemeClr val="accent1">
-              <a:shade val="50000"/>
-            </a:schemeClr>
-          </a:lnRef>
-          <a:fillRef idx="1">
-            <a:schemeClr val="accent1"/>
-          </a:fillRef>
-          <a:effectRef idx="0">
-            <a:schemeClr val="accent1"/>
-          </a:effectRef>
-          <a:fontRef idx="minor">
-            <a:schemeClr val="lt1"/>
-          </a:fontRef>
-        </p:style>
-        <p:txBody>
-          <a:bodyPr rtlCol="0" anchor="ctr"/>
-          <a:lstStyle/>
-          <a:p>
-            <a:pPr algn="ctr"/>
-            <a:endParaRPr lang="en-US" sz="1200"/>
-          </a:p>
-        </p:txBody>
-      </p:sp>
-      <p:sp>
-        <p:nvSpPr>
-          <p:cNvPr id="3" name="Rectangle 82">
-            <a:extLst>
-              <a:ext uri="{FF2B5EF4-FFF2-40B4-BE49-F238E27FC236}">
-                <a16:creationId xmlns:a16="http://schemas.microsoft.com/office/drawing/2014/main" id="{447312A4-BACE-7FE9-974A-C61DD9AC3B29}"/>
-              </a:ext>
-            </a:extLst>
-          </p:cNvPr>
-          <p:cNvSpPr/>
-          <p:nvPr/>
-        </p:nvSpPr>
-        <p:spPr>
-          <a:xfrm>
-            <a:off x="8508512" y="1372604"/>
-            <a:ext cx="1339713" cy="234352"/>
-          </a:xfrm>
-          <a:prstGeom prst="rect">
-            <a:avLst/>
-          </a:prstGeom>
-          <a:solidFill>
-            <a:schemeClr val="accent1">
-              <a:lumMod val="20000"/>
-              <a:lumOff val="80000"/>
-            </a:schemeClr>
-          </a:solidFill>
-          <a:ln w="117475">
-            <a:solidFill>
-              <a:srgbClr val="2F528F"/>
-            </a:solidFill>
-          </a:ln>
-        </p:spPr>
-        <p:style>
-          <a:lnRef idx="2">
-            <a:schemeClr val="accent1">
-              <a:shade val="50000"/>
-            </a:schemeClr>
-          </a:lnRef>
-          <a:fillRef idx="1">
-            <a:schemeClr val="accent1"/>
-          </a:fillRef>
-          <a:effectRef idx="0">
-            <a:schemeClr val="accent1"/>
-          </a:effectRef>
-          <a:fontRef idx="minor">
-            <a:schemeClr val="lt1"/>
-          </a:fontRef>
-        </p:style>
-        <p:txBody>
-          <a:bodyPr rtlCol="0" anchor="ctr"/>
-          <a:lstStyle/>
-          <a:p>
-            <a:pPr algn="ctr"/>
-            <a:endParaRPr lang="en-US" sz="1200"/>
-          </a:p>
-        </p:txBody>
-      </p:sp>
-      <p:sp>
-        <p:nvSpPr>
-          <p:cNvPr id="4" name="Rectangle 84">
-            <a:extLst>
-              <a:ext uri="{FF2B5EF4-FFF2-40B4-BE49-F238E27FC236}">
-                <a16:creationId xmlns:a16="http://schemas.microsoft.com/office/drawing/2014/main" id="{07BE2B13-C8DB-E7FE-17CF-6426EB8F30C9}"/>
-              </a:ext>
-            </a:extLst>
-          </p:cNvPr>
-          <p:cNvSpPr/>
-          <p:nvPr/>
-        </p:nvSpPr>
-        <p:spPr>
-          <a:xfrm>
-            <a:off x="8508512" y="1977979"/>
-            <a:ext cx="1339713" cy="350715"/>
-          </a:xfrm>
-          <a:prstGeom prst="rect">
-            <a:avLst/>
-          </a:prstGeom>
-          <a:noFill/>
-          <a:ln w="117475">
-            <a:solidFill>
-              <a:srgbClr val="2F528F"/>
-            </a:solidFill>
-          </a:ln>
-        </p:spPr>
-        <p:style>
-          <a:lnRef idx="2">
-            <a:schemeClr val="accent1">
-              <a:shade val="50000"/>
-            </a:schemeClr>
-          </a:lnRef>
-          <a:fillRef idx="1">
-            <a:schemeClr val="accent1"/>
-          </a:fillRef>
-          <a:effectRef idx="0">
-            <a:schemeClr val="accent1"/>
-          </a:effectRef>
-          <a:fontRef idx="minor">
-            <a:schemeClr val="lt1"/>
-          </a:fontRef>
-        </p:style>
-        <p:txBody>
-          <a:bodyPr rtlCol="0" anchor="ctr"/>
-          <a:lstStyle/>
-          <a:p>
-            <a:pPr algn="ctr"/>
-            <a:endParaRPr lang="en-US" sz="1200"/>
-          </a:p>
-        </p:txBody>
-      </p:sp>
-      <p:sp>
-        <p:nvSpPr>
-          <p:cNvPr id="5" name="Rectangle 87">
-            <a:extLst>
-              <a:ext uri="{FF2B5EF4-FFF2-40B4-BE49-F238E27FC236}">
-                <a16:creationId xmlns:a16="http://schemas.microsoft.com/office/drawing/2014/main" id="{A0A9B054-B8C8-6EE6-4575-0B1756EC674D}"/>
-              </a:ext>
-            </a:extLst>
-          </p:cNvPr>
-          <p:cNvSpPr/>
-          <p:nvPr/>
-        </p:nvSpPr>
-        <p:spPr>
-          <a:xfrm rot="5400000">
-            <a:off x="8973732" y="1804279"/>
-            <a:ext cx="1279556" cy="436211"/>
-          </a:xfrm>
-          <a:prstGeom prst="rect">
-            <a:avLst/>
-          </a:prstGeom>
-          <a:noFill/>
-          <a:ln w="117475">
-            <a:solidFill>
-              <a:srgbClr val="2F528F"/>
-            </a:solidFill>
-          </a:ln>
-        </p:spPr>
-        <p:style>
-          <a:lnRef idx="2">
-            <a:schemeClr val="accent1">
-              <a:shade val="50000"/>
-            </a:schemeClr>
-          </a:lnRef>
-          <a:fillRef idx="1">
-            <a:schemeClr val="accent1"/>
-          </a:fillRef>
-          <a:effectRef idx="0">
-            <a:schemeClr val="accent1"/>
-          </a:effectRef>
-          <a:fontRef idx="minor">
-            <a:schemeClr val="lt1"/>
-          </a:fontRef>
-        </p:style>
-        <p:txBody>
-          <a:bodyPr rtlCol="0" anchor="ctr"/>
-          <a:lstStyle/>
-          <a:p>
-            <a:pPr algn="ctr"/>
-            <a:endParaRPr lang="en-US" sz="1200"/>
-          </a:p>
-        </p:txBody>
-      </p:sp>
-      <p:sp>
-        <p:nvSpPr>
-          <p:cNvPr id="6" name="Rectangle 88">
-            <a:extLst>
-              <a:ext uri="{FF2B5EF4-FFF2-40B4-BE49-F238E27FC236}">
-                <a16:creationId xmlns:a16="http://schemas.microsoft.com/office/drawing/2014/main" id="{BCF802AD-A69F-67E7-E508-A96FDFEDBAA9}"/>
-              </a:ext>
-            </a:extLst>
-          </p:cNvPr>
-          <p:cNvSpPr/>
-          <p:nvPr/>
-        </p:nvSpPr>
-        <p:spPr>
-          <a:xfrm rot="5400000">
-            <a:off x="8532838" y="1804279"/>
-            <a:ext cx="1279556" cy="436211"/>
-          </a:xfrm>
-          <a:prstGeom prst="rect">
-            <a:avLst/>
-          </a:prstGeom>
-          <a:noFill/>
-          <a:ln w="117475">
-            <a:solidFill>
-              <a:srgbClr val="2F528F"/>
-            </a:solidFill>
-          </a:ln>
-        </p:spPr>
-        <p:style>
-          <a:lnRef idx="2">
-            <a:schemeClr val="accent1">
-              <a:shade val="50000"/>
-            </a:schemeClr>
-          </a:lnRef>
-          <a:fillRef idx="1">
-            <a:schemeClr val="accent1"/>
-          </a:fillRef>
-          <a:effectRef idx="0">
-            <a:schemeClr val="accent1"/>
-          </a:effectRef>
-          <a:fontRef idx="minor">
-            <a:schemeClr val="lt1"/>
-          </a:fontRef>
-        </p:style>
-        <p:txBody>
-          <a:bodyPr rtlCol="0" anchor="ctr"/>
-          <a:lstStyle/>
-          <a:p>
-            <a:pPr algn="ctr"/>
-            <a:endParaRPr lang="en-US" sz="1200"/>
-          </a:p>
-        </p:txBody>
-      </p:sp>
-      <p:sp>
-        <p:nvSpPr>
-          <p:cNvPr id="10" name="Rectangle 89">
-            <a:extLst>
-              <a:ext uri="{FF2B5EF4-FFF2-40B4-BE49-F238E27FC236}">
-                <a16:creationId xmlns:a16="http://schemas.microsoft.com/office/drawing/2014/main" id="{101C31D8-57AC-81F6-ADEC-7AE4BD720379}"/>
-              </a:ext>
-            </a:extLst>
-          </p:cNvPr>
-          <p:cNvSpPr/>
-          <p:nvPr/>
-        </p:nvSpPr>
-        <p:spPr>
-          <a:xfrm rot="5400000">
-            <a:off x="8096627" y="1804279"/>
-            <a:ext cx="1279556" cy="436211"/>
-          </a:xfrm>
-          <a:prstGeom prst="rect">
-            <a:avLst/>
-          </a:prstGeom>
-          <a:solidFill>
-            <a:schemeClr val="accent1">
-              <a:lumMod val="20000"/>
-              <a:lumOff val="80000"/>
-            </a:schemeClr>
-          </a:solidFill>
-          <a:ln w="117475">
-            <a:solidFill>
-              <a:srgbClr val="2F528F"/>
-            </a:solidFill>
-          </a:ln>
-        </p:spPr>
-        <p:style>
-          <a:lnRef idx="2">
-            <a:schemeClr val="accent1">
-              <a:shade val="50000"/>
-            </a:schemeClr>
-          </a:lnRef>
-          <a:fillRef idx="1">
-            <a:schemeClr val="accent1"/>
-          </a:fillRef>
-          <a:effectRef idx="0">
-            <a:schemeClr val="accent1"/>
-          </a:effectRef>
-          <a:fontRef idx="minor">
-            <a:schemeClr val="lt1"/>
-          </a:fontRef>
-        </p:style>
-        <p:txBody>
-          <a:bodyPr rtlCol="0" anchor="ctr"/>
-          <a:lstStyle/>
-          <a:p>
-            <a:pPr algn="ctr"/>
-            <a:endParaRPr lang="en-US" sz="1200"/>
-          </a:p>
-        </p:txBody>
-      </p:sp>
-      <p:sp>
-        <p:nvSpPr>
-          <p:cNvPr id="13" name="Rectangle 83">
-            <a:extLst>
-              <a:ext uri="{FF2B5EF4-FFF2-40B4-BE49-F238E27FC236}">
-                <a16:creationId xmlns:a16="http://schemas.microsoft.com/office/drawing/2014/main" id="{5A815BF9-6826-D7F2-511F-B05F0DC18A34}"/>
-              </a:ext>
-            </a:extLst>
-          </p:cNvPr>
-          <p:cNvSpPr/>
-          <p:nvPr/>
-        </p:nvSpPr>
-        <p:spPr>
-          <a:xfrm>
-            <a:off x="8508512" y="1623499"/>
-            <a:ext cx="1339713" cy="350715"/>
-          </a:xfrm>
-          <a:prstGeom prst="rect">
-            <a:avLst/>
-          </a:prstGeom>
-          <a:noFill/>
-          <a:ln w="117475">
-            <a:solidFill>
-              <a:srgbClr val="2F528F"/>
-            </a:solidFill>
-          </a:ln>
-        </p:spPr>
-        <p:style>
-          <a:lnRef idx="2">
-            <a:schemeClr val="accent1">
-              <a:shade val="50000"/>
-            </a:schemeClr>
-          </a:lnRef>
-          <a:fillRef idx="1">
-            <a:schemeClr val="accent1"/>
-          </a:fillRef>
-          <a:effectRef idx="0">
-            <a:schemeClr val="accent1"/>
-          </a:effectRef>
-          <a:fontRef idx="minor">
-            <a:schemeClr val="lt1"/>
-          </a:fontRef>
-        </p:style>
-        <p:txBody>
-          <a:bodyPr rtlCol="0" anchor="ctr"/>
-          <a:lstStyle/>
-          <a:p>
-            <a:pPr algn="ctr"/>
-            <a:endParaRPr lang="en-US" sz="1200"/>
-          </a:p>
-        </p:txBody>
-      </p:sp>
-      <p:sp>
-        <p:nvSpPr>
-          <p:cNvPr id="16" name="Rectangle 85">
-            <a:extLst>
-              <a:ext uri="{FF2B5EF4-FFF2-40B4-BE49-F238E27FC236}">
-                <a16:creationId xmlns:a16="http://schemas.microsoft.com/office/drawing/2014/main" id="{C0F6FFAD-F8F9-9C0B-8BDC-91E9A1935345}"/>
-              </a:ext>
-            </a:extLst>
-          </p:cNvPr>
-          <p:cNvSpPr/>
-          <p:nvPr/>
-        </p:nvSpPr>
-        <p:spPr>
-          <a:xfrm>
-            <a:off x="8508512" y="2328693"/>
-            <a:ext cx="1339713" cy="350715"/>
-          </a:xfrm>
-          <a:prstGeom prst="rect">
-            <a:avLst/>
-          </a:prstGeom>
-          <a:noFill/>
-          <a:ln w="117475">
-            <a:solidFill>
-              <a:srgbClr val="2F528F"/>
-            </a:solidFill>
-          </a:ln>
-        </p:spPr>
-        <p:style>
-          <a:lnRef idx="2">
-            <a:schemeClr val="accent1">
-              <a:shade val="50000"/>
-            </a:schemeClr>
-          </a:lnRef>
-          <a:fillRef idx="1">
-            <a:schemeClr val="accent1"/>
-          </a:fillRef>
-          <a:effectRef idx="0">
-            <a:schemeClr val="accent1"/>
-          </a:effectRef>
-          <a:fontRef idx="minor">
-            <a:schemeClr val="lt1"/>
-          </a:fontRef>
-        </p:style>
-        <p:txBody>
-          <a:bodyPr rtlCol="0" anchor="ctr"/>
-          <a:lstStyle/>
-          <a:p>
-            <a:pPr algn="ctr"/>
-            <a:endParaRPr lang="en-US" sz="1200"/>
-          </a:p>
-        </p:txBody>
-      </p:sp>
-      <p:sp>
-        <p:nvSpPr>
-          <p:cNvPr id="19" name="TextBox 18">
-            <a:extLst>
-              <a:ext uri="{FF2B5EF4-FFF2-40B4-BE49-F238E27FC236}">
-                <a16:creationId xmlns:a16="http://schemas.microsoft.com/office/drawing/2014/main" id="{918CCE1F-0AAD-50CF-5E17-ECD35C9B37DF}"/>
-              </a:ext>
-            </a:extLst>
-          </p:cNvPr>
-          <p:cNvSpPr txBox="1"/>
-          <p:nvPr/>
-        </p:nvSpPr>
-        <p:spPr>
-          <a:xfrm>
-            <a:off x="8645333" y="2916142"/>
-            <a:ext cx="1144480" cy="369332"/>
-          </a:xfrm>
-          <a:prstGeom prst="rect">
-            <a:avLst/>
-          </a:prstGeom>
-          <a:noFill/>
-        </p:spPr>
-        <p:txBody>
-          <a:bodyPr wrap="none" rtlCol="0">
-            <a:spAutoFit/>
-          </a:bodyPr>
-          <a:lstStyle/>
-          <a:p>
-            <a:pPr algn="ctr"/>
-            <a:r>
-              <a:rPr lang="en-US" dirty="0"/>
-              <a:t>TimeTable</a:t>
-            </a:r>
-          </a:p>
-        </p:txBody>
-      </p:sp>
-      <p:grpSp>
-        <p:nvGrpSpPr>
-          <p:cNvPr id="36" name="그룹 35">
-            <a:extLst>
-              <a:ext uri="{FF2B5EF4-FFF2-40B4-BE49-F238E27FC236}">
-                <a16:creationId xmlns:a16="http://schemas.microsoft.com/office/drawing/2014/main" id="{5E28B3E8-6255-577A-7794-DAB3B6D8D046}"/>
-              </a:ext>
-            </a:extLst>
-          </p:cNvPr>
-          <p:cNvGrpSpPr/>
-          <p:nvPr/>
-        </p:nvGrpSpPr>
-        <p:grpSpPr>
-          <a:xfrm>
-            <a:off x="8964298" y="1792511"/>
-            <a:ext cx="1001535" cy="1001535"/>
-            <a:chOff x="7954388" y="3616692"/>
-            <a:chExt cx="1436334" cy="1436334"/>
-          </a:xfrm>
-        </p:grpSpPr>
-        <p:sp>
-          <p:nvSpPr>
-            <p:cNvPr id="23" name="타원 22">
-              <a:extLst>
-                <a:ext uri="{FF2B5EF4-FFF2-40B4-BE49-F238E27FC236}">
-                  <a16:creationId xmlns:a16="http://schemas.microsoft.com/office/drawing/2014/main" id="{4FD71793-B354-F1D5-C4C1-55CE1E0EA904}"/>
-                </a:ext>
-              </a:extLst>
-            </p:cNvPr>
-            <p:cNvSpPr/>
-            <p:nvPr/>
-          </p:nvSpPr>
-          <p:spPr>
-            <a:xfrm>
-              <a:off x="7954388" y="3616692"/>
-              <a:ext cx="1436334" cy="1436334"/>
+              <a:off x="9488362" y="343759"/>
+              <a:ext cx="1222325" cy="1222325"/>
             </a:xfrm>
             <a:prstGeom prst="ellipse">
               <a:avLst/>
@@ -9608,10 +7973,10 @@
         </p:sp>
         <p:sp>
           <p:nvSpPr>
-            <p:cNvPr id="24" name="자유형: 도형 23">
+            <p:cNvPr id="3" name="자유형: 도형 2">
               <a:extLst>
                 <a:ext uri="{FF2B5EF4-FFF2-40B4-BE49-F238E27FC236}">
-                  <a16:creationId xmlns:a16="http://schemas.microsoft.com/office/drawing/2014/main" id="{E5A6A5E6-2CAF-7646-3D36-A33F1CF0639B}"/>
+                  <a16:creationId xmlns:a16="http://schemas.microsoft.com/office/drawing/2014/main" id="{547C2B97-8D28-8C55-9652-53572F60A645}"/>
                 </a:ext>
               </a:extLst>
             </p:cNvPr>
@@ -9620,8 +7985,8 @@
           </p:nvSpPr>
           <p:spPr>
             <a:xfrm>
-              <a:off x="7954389" y="3616693"/>
-              <a:ext cx="1436333" cy="1436332"/>
+              <a:off x="9488363" y="343760"/>
+              <a:ext cx="1222324" cy="1222324"/>
             </a:xfrm>
             <a:custGeom>
               <a:avLst/>
@@ -9735,13 +8100,8 @@
               </a:pathLst>
             </a:custGeom>
             <a:solidFill>
-              <a:schemeClr val="accent1">
-                <a:lumMod val="50000"/>
-              </a:schemeClr>
+              <a:srgbClr val="5D7288"/>
             </a:solidFill>
-            <a:ln>
-              <a:noFill/>
-            </a:ln>
           </p:spPr>
           <p:style>
             <a:lnRef idx="2">
@@ -9772,10 +8132,10 @@
         </p:sp>
         <p:sp>
           <p:nvSpPr>
-            <p:cNvPr id="35" name="자유형: 도형 34">
+            <p:cNvPr id="9" name="직사각형 8">
               <a:extLst>
                 <a:ext uri="{FF2B5EF4-FFF2-40B4-BE49-F238E27FC236}">
-                  <a16:creationId xmlns:a16="http://schemas.microsoft.com/office/drawing/2014/main" id="{4E493364-6ACA-AF9F-E197-40E0345B6BF6}"/>
+                  <a16:creationId xmlns:a16="http://schemas.microsoft.com/office/drawing/2014/main" id="{92330476-AFDD-62CE-763A-650DEEFDF4F4}"/>
                 </a:ext>
               </a:extLst>
             </p:cNvPr>
@@ -9783,96 +8143,16 @@
             <p:nvPr/>
           </p:nvSpPr>
           <p:spPr>
-            <a:xfrm rot="16200000">
-              <a:off x="8664491" y="3897149"/>
-              <a:ext cx="484272" cy="484271"/>
+            <a:xfrm>
+              <a:off x="10011910" y="215028"/>
+              <a:ext cx="175230" cy="93141"/>
             </a:xfrm>
-            <a:custGeom>
+            <a:prstGeom prst="rect">
               <a:avLst/>
-              <a:gdLst>
-                <a:gd name="connsiteX0" fmla="*/ 484272 w 484272"/>
-                <a:gd name="connsiteY0" fmla="*/ 0 h 484271"/>
-                <a:gd name="connsiteX1" fmla="*/ 484272 w 484272"/>
-                <a:gd name="connsiteY1" fmla="*/ 81574 h 484271"/>
-                <a:gd name="connsiteX2" fmla="*/ 81575 w 484272"/>
-                <a:gd name="connsiteY2" fmla="*/ 81574 h 484271"/>
-                <a:gd name="connsiteX3" fmla="*/ 81575 w 484272"/>
-                <a:gd name="connsiteY3" fmla="*/ 484271 h 484271"/>
-                <a:gd name="connsiteX4" fmla="*/ 0 w 484272"/>
-                <a:gd name="connsiteY4" fmla="*/ 484271 h 484271"/>
-                <a:gd name="connsiteX5" fmla="*/ 0 w 484272"/>
-                <a:gd name="connsiteY5" fmla="*/ 0 h 484271"/>
-                <a:gd name="connsiteX6" fmla="*/ 1 w 484272"/>
-                <a:gd name="connsiteY6" fmla="*/ 0 h 484271"/>
-                <a:gd name="connsiteX7" fmla="*/ 81575 w 484272"/>
-                <a:gd name="connsiteY7" fmla="*/ 0 h 484271"/>
-              </a:gdLst>
-              <a:ahLst/>
-              <a:cxnLst>
-                <a:cxn ang="0">
-                  <a:pos x="connsiteX0" y="connsiteY0"/>
-                </a:cxn>
-                <a:cxn ang="0">
-                  <a:pos x="connsiteX1" y="connsiteY1"/>
-                </a:cxn>
-                <a:cxn ang="0">
-                  <a:pos x="connsiteX2" y="connsiteY2"/>
-                </a:cxn>
-                <a:cxn ang="0">
-                  <a:pos x="connsiteX3" y="connsiteY3"/>
-                </a:cxn>
-                <a:cxn ang="0">
-                  <a:pos x="connsiteX4" y="connsiteY4"/>
-                </a:cxn>
-                <a:cxn ang="0">
-                  <a:pos x="connsiteX5" y="connsiteY5"/>
-                </a:cxn>
-                <a:cxn ang="0">
-                  <a:pos x="connsiteX6" y="connsiteY6"/>
-                </a:cxn>
-                <a:cxn ang="0">
-                  <a:pos x="connsiteX7" y="connsiteY7"/>
-                </a:cxn>
-              </a:cxnLst>
-              <a:rect l="l" t="t" r="r" b="b"/>
-              <a:pathLst>
-                <a:path w="484272" h="484271">
-                  <a:moveTo>
-                    <a:pt x="484272" y="0"/>
-                  </a:moveTo>
-                  <a:lnTo>
-                    <a:pt x="484272" y="81574"/>
-                  </a:lnTo>
-                  <a:lnTo>
-                    <a:pt x="81575" y="81574"/>
-                  </a:lnTo>
-                  <a:lnTo>
-                    <a:pt x="81575" y="484271"/>
-                  </a:lnTo>
-                  <a:lnTo>
-                    <a:pt x="0" y="484271"/>
-                  </a:lnTo>
-                  <a:lnTo>
-                    <a:pt x="0" y="0"/>
-                  </a:lnTo>
-                  <a:lnTo>
-                    <a:pt x="1" y="0"/>
-                  </a:lnTo>
-                  <a:lnTo>
-                    <a:pt x="81575" y="0"/>
-                  </a:lnTo>
-                  <a:close/>
-                </a:path>
-              </a:pathLst>
-            </a:custGeom>
+            </a:prstGeom>
             <a:solidFill>
-              <a:schemeClr val="accent1">
-                <a:lumMod val="50000"/>
-              </a:schemeClr>
+              <a:srgbClr val="0C516E"/>
             </a:solidFill>
-            <a:ln>
-              <a:noFill/>
-            </a:ln>
           </p:spPr>
           <p:style>
             <a:lnRef idx="2">
@@ -9891,9 +8171,7 @@
             </a:fontRef>
           </p:style>
           <p:txBody>
-            <a:bodyPr wrap="square" rtlCol="0" anchor="ctr">
-              <a:noAutofit/>
-            </a:bodyPr>
+            <a:bodyPr rtlCol="0" anchor="ctr"/>
             <a:lstStyle/>
             <a:p>
               <a:pPr algn="ctr"/>
@@ -9901,7 +8179,1834 @@
             </a:p>
           </p:txBody>
         </p:sp>
+        <p:sp>
+          <p:nvSpPr>
+            <p:cNvPr id="12" name="직사각형 11">
+              <a:extLst>
+                <a:ext uri="{FF2B5EF4-FFF2-40B4-BE49-F238E27FC236}">
+                  <a16:creationId xmlns:a16="http://schemas.microsoft.com/office/drawing/2014/main" id="{851C1274-5777-D175-F5EF-34A20300DC16}"/>
+                </a:ext>
+              </a:extLst>
+            </p:cNvPr>
+            <p:cNvSpPr/>
+            <p:nvPr/>
+          </p:nvSpPr>
+          <p:spPr>
+            <a:xfrm rot="2746027">
+              <a:off x="10470800" y="451018"/>
+              <a:ext cx="210156" cy="69420"/>
+            </a:xfrm>
+            <a:prstGeom prst="rect">
+              <a:avLst/>
+            </a:prstGeom>
+            <a:solidFill>
+              <a:srgbClr val="547998"/>
+            </a:solidFill>
+          </p:spPr>
+          <p:style>
+            <a:lnRef idx="2">
+              <a:schemeClr val="accent1">
+                <a:shade val="50000"/>
+              </a:schemeClr>
+            </a:lnRef>
+            <a:fillRef idx="1">
+              <a:schemeClr val="accent1"/>
+            </a:fillRef>
+            <a:effectRef idx="0">
+              <a:schemeClr val="accent1"/>
+            </a:effectRef>
+            <a:fontRef idx="minor">
+              <a:schemeClr val="lt1"/>
+            </a:fontRef>
+          </p:style>
+          <p:txBody>
+            <a:bodyPr rtlCol="0" anchor="ctr"/>
+            <a:lstStyle/>
+            <a:p>
+              <a:pPr algn="ctr"/>
+              <a:endParaRPr lang="en-US"/>
+            </a:p>
+          </p:txBody>
+        </p:sp>
+        <p:sp>
+          <p:nvSpPr>
+            <p:cNvPr id="14" name="직사각형 13">
+              <a:extLst>
+                <a:ext uri="{FF2B5EF4-FFF2-40B4-BE49-F238E27FC236}">
+                  <a16:creationId xmlns:a16="http://schemas.microsoft.com/office/drawing/2014/main" id="{4230933D-AB4C-7930-568D-F8BC8C9A8A33}"/>
+                </a:ext>
+              </a:extLst>
+            </p:cNvPr>
+            <p:cNvSpPr/>
+            <p:nvPr/>
+          </p:nvSpPr>
+          <p:spPr>
+            <a:xfrm rot="2746027">
+              <a:off x="10544520" y="384465"/>
+              <a:ext cx="210156" cy="69420"/>
+            </a:xfrm>
+            <a:prstGeom prst="rect">
+              <a:avLst/>
+            </a:prstGeom>
+            <a:solidFill>
+              <a:srgbClr val="547998"/>
+            </a:solidFill>
+          </p:spPr>
+          <p:style>
+            <a:lnRef idx="2">
+              <a:schemeClr val="accent1">
+                <a:shade val="50000"/>
+              </a:schemeClr>
+            </a:lnRef>
+            <a:fillRef idx="1">
+              <a:schemeClr val="accent1"/>
+            </a:fillRef>
+            <a:effectRef idx="0">
+              <a:schemeClr val="accent1"/>
+            </a:effectRef>
+            <a:fontRef idx="minor">
+              <a:schemeClr val="lt1"/>
+            </a:fontRef>
+          </p:style>
+          <p:txBody>
+            <a:bodyPr rtlCol="0" anchor="ctr"/>
+            <a:lstStyle/>
+            <a:p>
+              <a:pPr algn="ctr"/>
+              <a:endParaRPr lang="en-US"/>
+            </a:p>
+          </p:txBody>
+        </p:sp>
+        <p:sp>
+          <p:nvSpPr>
+            <p:cNvPr id="15" name="직사각형 14">
+              <a:extLst>
+                <a:ext uri="{FF2B5EF4-FFF2-40B4-BE49-F238E27FC236}">
+                  <a16:creationId xmlns:a16="http://schemas.microsoft.com/office/drawing/2014/main" id="{7269150D-100F-78BD-34AF-F36B935AC406}"/>
+                </a:ext>
+              </a:extLst>
+            </p:cNvPr>
+            <p:cNvSpPr/>
+            <p:nvPr/>
+          </p:nvSpPr>
+          <p:spPr>
+            <a:xfrm rot="2746027">
+              <a:off x="10033866" y="1067787"/>
+              <a:ext cx="493612" cy="69420"/>
+            </a:xfrm>
+            <a:prstGeom prst="rect">
+              <a:avLst/>
+            </a:prstGeom>
+            <a:solidFill>
+              <a:srgbClr val="5D7288"/>
+            </a:solidFill>
+          </p:spPr>
+          <p:style>
+            <a:lnRef idx="2">
+              <a:schemeClr val="accent1">
+                <a:shade val="50000"/>
+              </a:schemeClr>
+            </a:lnRef>
+            <a:fillRef idx="1">
+              <a:schemeClr val="accent1"/>
+            </a:fillRef>
+            <a:effectRef idx="0">
+              <a:schemeClr val="accent1"/>
+            </a:effectRef>
+            <a:fontRef idx="minor">
+              <a:schemeClr val="lt1"/>
+            </a:fontRef>
+          </p:style>
+          <p:txBody>
+            <a:bodyPr rtlCol="0" anchor="ctr"/>
+            <a:lstStyle/>
+            <a:p>
+              <a:pPr algn="ctr"/>
+              <a:endParaRPr lang="en-US"/>
+            </a:p>
+          </p:txBody>
+        </p:sp>
+        <p:sp>
+          <p:nvSpPr>
+            <p:cNvPr id="16" name="TextBox 15">
+              <a:extLst>
+                <a:ext uri="{FF2B5EF4-FFF2-40B4-BE49-F238E27FC236}">
+                  <a16:creationId xmlns:a16="http://schemas.microsoft.com/office/drawing/2014/main" id="{8BBBC92F-61F6-87B8-8B92-5C4EFA926F9A}"/>
+                </a:ext>
+              </a:extLst>
+            </p:cNvPr>
+            <p:cNvSpPr txBox="1"/>
+            <p:nvPr/>
+          </p:nvSpPr>
+          <p:spPr>
+            <a:xfrm>
+              <a:off x="9671232" y="1689703"/>
+              <a:ext cx="856584" cy="314303"/>
+            </a:xfrm>
+            <a:prstGeom prst="rect">
+              <a:avLst/>
+            </a:prstGeom>
+            <a:noFill/>
+          </p:spPr>
+          <p:txBody>
+            <a:bodyPr wrap="none" rtlCol="0">
+              <a:spAutoFit/>
+            </a:bodyPr>
+            <a:lstStyle/>
+            <a:p>
+              <a:pPr algn="ctr"/>
+              <a:r>
+                <a:rPr lang="en-US" dirty="0"/>
+                <a:t>Duration</a:t>
+              </a:r>
+            </a:p>
+          </p:txBody>
+        </p:sp>
       </p:grpSp>
+      <p:grpSp>
+        <p:nvGrpSpPr>
+          <p:cNvPr id="92" name="그룹 91">
+            <a:extLst>
+              <a:ext uri="{FF2B5EF4-FFF2-40B4-BE49-F238E27FC236}">
+                <a16:creationId xmlns:a16="http://schemas.microsoft.com/office/drawing/2014/main" id="{D12EEFCB-1821-7361-5794-88CC455DA9D2}"/>
+              </a:ext>
+            </a:extLst>
+          </p:cNvPr>
+          <p:cNvGrpSpPr/>
+          <p:nvPr/>
+        </p:nvGrpSpPr>
+        <p:grpSpPr>
+          <a:xfrm>
+            <a:off x="9326918" y="2523674"/>
+            <a:ext cx="1545213" cy="1724763"/>
+            <a:chOff x="9326917" y="2523674"/>
+            <a:chExt cx="1545213" cy="1724763"/>
+          </a:xfrm>
+        </p:grpSpPr>
+        <p:sp>
+          <p:nvSpPr>
+            <p:cNvPr id="24" name="TextBox 23">
+              <a:extLst>
+                <a:ext uri="{FF2B5EF4-FFF2-40B4-BE49-F238E27FC236}">
+                  <a16:creationId xmlns:a16="http://schemas.microsoft.com/office/drawing/2014/main" id="{B8900893-46B3-F94A-E283-86438021064E}"/>
+                </a:ext>
+              </a:extLst>
+            </p:cNvPr>
+            <p:cNvSpPr txBox="1"/>
+            <p:nvPr/>
+          </p:nvSpPr>
+          <p:spPr>
+            <a:xfrm>
+              <a:off x="9326917" y="3934134"/>
+              <a:ext cx="1545213" cy="314303"/>
+            </a:xfrm>
+            <a:prstGeom prst="rect">
+              <a:avLst/>
+            </a:prstGeom>
+            <a:noFill/>
+          </p:spPr>
+          <p:txBody>
+            <a:bodyPr wrap="none" rtlCol="0">
+              <a:spAutoFit/>
+            </a:bodyPr>
+            <a:lstStyle/>
+            <a:p>
+              <a:pPr algn="ctr"/>
+              <a:r>
+                <a:rPr lang="en-US" dirty="0"/>
+                <a:t>calendarDuration</a:t>
+              </a:r>
+            </a:p>
+          </p:txBody>
+        </p:sp>
+        <p:grpSp>
+          <p:nvGrpSpPr>
+            <p:cNvPr id="87" name="그룹 86">
+              <a:extLst>
+                <a:ext uri="{FF2B5EF4-FFF2-40B4-BE49-F238E27FC236}">
+                  <a16:creationId xmlns:a16="http://schemas.microsoft.com/office/drawing/2014/main" id="{75BB44D7-FEA3-E8DA-F3F7-145A2538BAF3}"/>
+                </a:ext>
+              </a:extLst>
+            </p:cNvPr>
+            <p:cNvGrpSpPr/>
+            <p:nvPr/>
+          </p:nvGrpSpPr>
+          <p:grpSpPr>
+            <a:xfrm>
+              <a:off x="9424363" y="2523674"/>
+              <a:ext cx="1325407" cy="1329596"/>
+              <a:chOff x="9424363" y="2523674"/>
+              <a:chExt cx="1325407" cy="1329596"/>
+            </a:xfrm>
+          </p:grpSpPr>
+          <p:sp>
+            <p:nvSpPr>
+              <p:cNvPr id="19" name="Freeform: Shape 59">
+                <a:extLst>
+                  <a:ext uri="{FF2B5EF4-FFF2-40B4-BE49-F238E27FC236}">
+                    <a16:creationId xmlns:a16="http://schemas.microsoft.com/office/drawing/2014/main" id="{E4293E61-125F-E826-AA3B-5892EBF60D4F}"/>
+                  </a:ext>
+                </a:extLst>
+              </p:cNvPr>
+              <p:cNvSpPr/>
+              <p:nvPr/>
+            </p:nvSpPr>
+            <p:spPr>
+              <a:xfrm>
+                <a:off x="9430073" y="2523674"/>
+                <a:ext cx="1313981" cy="1302554"/>
+              </a:xfrm>
+              <a:custGeom>
+                <a:avLst/>
+                <a:gdLst>
+                  <a:gd name="connsiteX0" fmla="*/ 0 w 1813035"/>
+                  <a:gd name="connsiteY0" fmla="*/ 0 h 1797269"/>
+                  <a:gd name="connsiteX1" fmla="*/ 1813035 w 1813035"/>
+                  <a:gd name="connsiteY1" fmla="*/ 0 h 1797269"/>
+                  <a:gd name="connsiteX2" fmla="*/ 1813035 w 1813035"/>
+                  <a:gd name="connsiteY2" fmla="*/ 1402341 h 1797269"/>
+                  <a:gd name="connsiteX3" fmla="*/ 1418107 w 1813035"/>
+                  <a:gd name="connsiteY3" fmla="*/ 1797269 h 1797269"/>
+                  <a:gd name="connsiteX4" fmla="*/ 0 w 1813035"/>
+                  <a:gd name="connsiteY4" fmla="*/ 1797269 h 1797269"/>
+                </a:gdLst>
+                <a:ahLst/>
+                <a:cxnLst>
+                  <a:cxn ang="0">
+                    <a:pos x="connsiteX0" y="connsiteY0"/>
+                  </a:cxn>
+                  <a:cxn ang="0">
+                    <a:pos x="connsiteX1" y="connsiteY1"/>
+                  </a:cxn>
+                  <a:cxn ang="0">
+                    <a:pos x="connsiteX2" y="connsiteY2"/>
+                  </a:cxn>
+                  <a:cxn ang="0">
+                    <a:pos x="connsiteX3" y="connsiteY3"/>
+                  </a:cxn>
+                  <a:cxn ang="0">
+                    <a:pos x="connsiteX4" y="connsiteY4"/>
+                  </a:cxn>
+                </a:cxnLst>
+                <a:rect l="l" t="t" r="r" b="b"/>
+                <a:pathLst>
+                  <a:path w="1813035" h="1797269">
+                    <a:moveTo>
+                      <a:pt x="0" y="0"/>
+                    </a:moveTo>
+                    <a:lnTo>
+                      <a:pt x="1813035" y="0"/>
+                    </a:lnTo>
+                    <a:lnTo>
+                      <a:pt x="1813035" y="1402341"/>
+                    </a:lnTo>
+                    <a:lnTo>
+                      <a:pt x="1418107" y="1797269"/>
+                    </a:lnTo>
+                    <a:lnTo>
+                      <a:pt x="0" y="1797269"/>
+                    </a:lnTo>
+                    <a:close/>
+                  </a:path>
+                </a:pathLst>
+              </a:custGeom>
+              <a:gradFill>
+                <a:gsLst>
+                  <a:gs pos="43000">
+                    <a:srgbClr val="FBEFA0"/>
+                  </a:gs>
+                  <a:gs pos="0">
+                    <a:schemeClr val="accent1">
+                      <a:lumMod val="5000"/>
+                      <a:lumOff val="95000"/>
+                    </a:schemeClr>
+                  </a:gs>
+                  <a:gs pos="100000">
+                    <a:srgbClr val="FCEE94"/>
+                  </a:gs>
+                </a:gsLst>
+                <a:lin ang="2700000" scaled="0"/>
+              </a:gradFill>
+              <a:ln>
+                <a:noFill/>
+              </a:ln>
+            </p:spPr>
+            <p:style>
+              <a:lnRef idx="2">
+                <a:schemeClr val="accent1">
+                  <a:shade val="50000"/>
+                </a:schemeClr>
+              </a:lnRef>
+              <a:fillRef idx="1">
+                <a:schemeClr val="accent1"/>
+              </a:fillRef>
+              <a:effectRef idx="0">
+                <a:schemeClr val="accent1"/>
+              </a:effectRef>
+              <a:fontRef idx="minor">
+                <a:schemeClr val="lt1"/>
+              </a:fontRef>
+            </p:style>
+            <p:txBody>
+              <a:bodyPr wrap="square" rtlCol="0" anchor="ctr">
+                <a:noAutofit/>
+              </a:bodyPr>
+              <a:lstStyle/>
+              <a:p>
+                <a:pPr algn="ctr"/>
+                <a:endParaRPr lang="en-US" sz="1200"/>
+              </a:p>
+            </p:txBody>
+          </p:sp>
+          <p:sp>
+            <p:nvSpPr>
+              <p:cNvPr id="20" name="Rectangle 60">
+                <a:extLst>
+                  <a:ext uri="{FF2B5EF4-FFF2-40B4-BE49-F238E27FC236}">
+                    <a16:creationId xmlns:a16="http://schemas.microsoft.com/office/drawing/2014/main" id="{86CF0949-5BF4-D4D6-61C5-D87BC0F88C7D}"/>
+                  </a:ext>
+                </a:extLst>
+              </p:cNvPr>
+              <p:cNvSpPr/>
+              <p:nvPr/>
+            </p:nvSpPr>
+            <p:spPr>
+              <a:xfrm>
+                <a:off x="9437689" y="2527863"/>
+                <a:ext cx="1306363" cy="228518"/>
+              </a:xfrm>
+              <a:prstGeom prst="rect">
+                <a:avLst/>
+              </a:prstGeom>
+              <a:solidFill>
+                <a:schemeClr val="accent1">
+                  <a:lumMod val="20000"/>
+                  <a:lumOff val="80000"/>
+                </a:schemeClr>
+              </a:solidFill>
+              <a:ln w="117475">
+                <a:solidFill>
+                  <a:srgbClr val="2F528F"/>
+                </a:solidFill>
+              </a:ln>
+            </p:spPr>
+            <p:style>
+              <a:lnRef idx="2">
+                <a:schemeClr val="accent1">
+                  <a:shade val="50000"/>
+                </a:schemeClr>
+              </a:lnRef>
+              <a:fillRef idx="1">
+                <a:schemeClr val="accent1"/>
+              </a:fillRef>
+              <a:effectRef idx="0">
+                <a:schemeClr val="accent1"/>
+              </a:effectRef>
+              <a:fontRef idx="minor">
+                <a:schemeClr val="lt1"/>
+              </a:fontRef>
+            </p:style>
+            <p:txBody>
+              <a:bodyPr rtlCol="0" anchor="ctr"/>
+              <a:lstStyle/>
+              <a:p>
+                <a:pPr algn="ctr"/>
+                <a:endParaRPr lang="en-US" sz="1200"/>
+              </a:p>
+            </p:txBody>
+          </p:sp>
+          <p:sp>
+            <p:nvSpPr>
+              <p:cNvPr id="21" name="Freeform: Shape 58">
+                <a:extLst>
+                  <a:ext uri="{FF2B5EF4-FFF2-40B4-BE49-F238E27FC236}">
+                    <a16:creationId xmlns:a16="http://schemas.microsoft.com/office/drawing/2014/main" id="{2F1DB34A-8591-6510-1CE6-0E7672022698}"/>
+                  </a:ext>
+                </a:extLst>
+              </p:cNvPr>
+              <p:cNvSpPr/>
+              <p:nvPr/>
+            </p:nvSpPr>
+            <p:spPr>
+              <a:xfrm>
+                <a:off x="9424363" y="2527863"/>
+                <a:ext cx="1325407" cy="1325407"/>
+              </a:xfrm>
+              <a:custGeom>
+                <a:avLst/>
+                <a:gdLst>
+                  <a:gd name="connsiteX0" fmla="*/ 0 w 1828800"/>
+                  <a:gd name="connsiteY0" fmla="*/ 0 h 1828800"/>
+                  <a:gd name="connsiteX1" fmla="*/ 1828800 w 1828800"/>
+                  <a:gd name="connsiteY1" fmla="*/ 0 h 1828800"/>
+                  <a:gd name="connsiteX2" fmla="*/ 1828800 w 1828800"/>
+                  <a:gd name="connsiteY2" fmla="*/ 1363876 h 1828800"/>
+                  <a:gd name="connsiteX3" fmla="*/ 1363876 w 1828800"/>
+                  <a:gd name="connsiteY3" fmla="*/ 1828800 h 1828800"/>
+                  <a:gd name="connsiteX4" fmla="*/ 0 w 1828800"/>
+                  <a:gd name="connsiteY4" fmla="*/ 1828800 h 1828800"/>
+                </a:gdLst>
+                <a:ahLst/>
+                <a:cxnLst>
+                  <a:cxn ang="0">
+                    <a:pos x="connsiteX0" y="connsiteY0"/>
+                  </a:cxn>
+                  <a:cxn ang="0">
+                    <a:pos x="connsiteX1" y="connsiteY1"/>
+                  </a:cxn>
+                  <a:cxn ang="0">
+                    <a:pos x="connsiteX2" y="connsiteY2"/>
+                  </a:cxn>
+                  <a:cxn ang="0">
+                    <a:pos x="connsiteX3" y="connsiteY3"/>
+                  </a:cxn>
+                  <a:cxn ang="0">
+                    <a:pos x="connsiteX4" y="connsiteY4"/>
+                  </a:cxn>
+                </a:cxnLst>
+                <a:rect l="l" t="t" r="r" b="b"/>
+                <a:pathLst>
+                  <a:path w="1828800" h="1828800">
+                    <a:moveTo>
+                      <a:pt x="0" y="0"/>
+                    </a:moveTo>
+                    <a:lnTo>
+                      <a:pt x="1828800" y="0"/>
+                    </a:lnTo>
+                    <a:lnTo>
+                      <a:pt x="1828800" y="1363876"/>
+                    </a:lnTo>
+                    <a:lnTo>
+                      <a:pt x="1363876" y="1828800"/>
+                    </a:lnTo>
+                    <a:lnTo>
+                      <a:pt x="0" y="1828800"/>
+                    </a:lnTo>
+                    <a:close/>
+                  </a:path>
+                </a:pathLst>
+              </a:custGeom>
+              <a:noFill/>
+              <a:ln w="117475"/>
+            </p:spPr>
+            <p:style>
+              <a:lnRef idx="2">
+                <a:schemeClr val="accent1">
+                  <a:shade val="50000"/>
+                </a:schemeClr>
+              </a:lnRef>
+              <a:fillRef idx="1">
+                <a:schemeClr val="accent1"/>
+              </a:fillRef>
+              <a:effectRef idx="0">
+                <a:schemeClr val="accent1"/>
+              </a:effectRef>
+              <a:fontRef idx="minor">
+                <a:schemeClr val="lt1"/>
+              </a:fontRef>
+            </p:style>
+            <p:txBody>
+              <a:bodyPr wrap="square" rtlCol="0" anchor="ctr">
+                <a:noAutofit/>
+              </a:bodyPr>
+              <a:lstStyle/>
+              <a:p>
+                <a:pPr algn="ctr"/>
+                <a:endParaRPr lang="en-US" sz="1200"/>
+              </a:p>
+            </p:txBody>
+          </p:sp>
+          <p:grpSp>
+            <p:nvGrpSpPr>
+              <p:cNvPr id="32" name="그룹 31">
+                <a:extLst>
+                  <a:ext uri="{FF2B5EF4-FFF2-40B4-BE49-F238E27FC236}">
+                    <a16:creationId xmlns:a16="http://schemas.microsoft.com/office/drawing/2014/main" id="{BD350AB8-D140-A3DE-CCB7-BB7A9BB2D11C}"/>
+                  </a:ext>
+                </a:extLst>
+              </p:cNvPr>
+              <p:cNvGrpSpPr/>
+              <p:nvPr/>
+            </p:nvGrpSpPr>
+            <p:grpSpPr>
+              <a:xfrm>
+                <a:off x="9600263" y="2901830"/>
+                <a:ext cx="973599" cy="778950"/>
+                <a:chOff x="4413130" y="1855965"/>
+                <a:chExt cx="2157612" cy="1585008"/>
+              </a:xfrm>
+            </p:grpSpPr>
+            <p:sp>
+              <p:nvSpPr>
+                <p:cNvPr id="35" name="직사각형 34">
+                  <a:extLst>
+                    <a:ext uri="{FF2B5EF4-FFF2-40B4-BE49-F238E27FC236}">
+                      <a16:creationId xmlns:a16="http://schemas.microsoft.com/office/drawing/2014/main" id="{F6F1671B-14EC-65FE-D417-8814A511D983}"/>
+                    </a:ext>
+                  </a:extLst>
+                </p:cNvPr>
+                <p:cNvSpPr/>
+                <p:nvPr/>
+              </p:nvSpPr>
+              <p:spPr>
+                <a:xfrm>
+                  <a:off x="5213377" y="1855965"/>
+                  <a:ext cx="531865" cy="373427"/>
+                </a:xfrm>
+                <a:prstGeom prst="rect">
+                  <a:avLst/>
+                </a:prstGeom>
+                <a:solidFill>
+                  <a:srgbClr val="9BA993"/>
+                </a:solidFill>
+              </p:spPr>
+              <p:style>
+                <a:lnRef idx="2">
+                  <a:schemeClr val="accent1">
+                    <a:shade val="50000"/>
+                  </a:schemeClr>
+                </a:lnRef>
+                <a:fillRef idx="1">
+                  <a:schemeClr val="accent1"/>
+                </a:fillRef>
+                <a:effectRef idx="0">
+                  <a:schemeClr val="accent1"/>
+                </a:effectRef>
+                <a:fontRef idx="minor">
+                  <a:schemeClr val="lt1"/>
+                </a:fontRef>
+              </p:style>
+              <p:txBody>
+                <a:bodyPr rtlCol="0" anchor="ctr"/>
+                <a:lstStyle/>
+                <a:p>
+                  <a:pPr algn="ctr"/>
+                  <a:endParaRPr lang="en-US"/>
+                </a:p>
+              </p:txBody>
+            </p:sp>
+            <p:sp>
+              <p:nvSpPr>
+                <p:cNvPr id="37" name="직사각형 36">
+                  <a:extLst>
+                    <a:ext uri="{FF2B5EF4-FFF2-40B4-BE49-F238E27FC236}">
+                      <a16:creationId xmlns:a16="http://schemas.microsoft.com/office/drawing/2014/main" id="{6C4D1EC5-88A7-0495-E7B5-63C2D4AF610F}"/>
+                    </a:ext>
+                  </a:extLst>
+                </p:cNvPr>
+                <p:cNvSpPr/>
+                <p:nvPr/>
+              </p:nvSpPr>
+              <p:spPr>
+                <a:xfrm>
+                  <a:off x="6038877" y="1855965"/>
+                  <a:ext cx="531865" cy="373427"/>
+                </a:xfrm>
+                <a:prstGeom prst="rect">
+                  <a:avLst/>
+                </a:prstGeom>
+                <a:solidFill>
+                  <a:srgbClr val="9BA993"/>
+                </a:solidFill>
+              </p:spPr>
+              <p:style>
+                <a:lnRef idx="2">
+                  <a:schemeClr val="accent1">
+                    <a:shade val="50000"/>
+                  </a:schemeClr>
+                </a:lnRef>
+                <a:fillRef idx="1">
+                  <a:schemeClr val="accent1"/>
+                </a:fillRef>
+                <a:effectRef idx="0">
+                  <a:schemeClr val="accent1"/>
+                </a:effectRef>
+                <a:fontRef idx="minor">
+                  <a:schemeClr val="lt1"/>
+                </a:fontRef>
+              </p:style>
+              <p:txBody>
+                <a:bodyPr rtlCol="0" anchor="ctr"/>
+                <a:lstStyle/>
+                <a:p>
+                  <a:pPr algn="ctr"/>
+                  <a:endParaRPr lang="en-US"/>
+                </a:p>
+              </p:txBody>
+            </p:sp>
+            <p:sp>
+              <p:nvSpPr>
+                <p:cNvPr id="38" name="직사각형 37">
+                  <a:extLst>
+                    <a:ext uri="{FF2B5EF4-FFF2-40B4-BE49-F238E27FC236}">
+                      <a16:creationId xmlns:a16="http://schemas.microsoft.com/office/drawing/2014/main" id="{D5BCEC62-3744-A7A2-13FA-BB17E42037AB}"/>
+                    </a:ext>
+                  </a:extLst>
+                </p:cNvPr>
+                <p:cNvSpPr/>
+                <p:nvPr/>
+              </p:nvSpPr>
+              <p:spPr>
+                <a:xfrm>
+                  <a:off x="5213377" y="2452865"/>
+                  <a:ext cx="531865" cy="373427"/>
+                </a:xfrm>
+                <a:prstGeom prst="rect">
+                  <a:avLst/>
+                </a:prstGeom>
+                <a:solidFill>
+                  <a:srgbClr val="1A4B79"/>
+                </a:solidFill>
+              </p:spPr>
+              <p:style>
+                <a:lnRef idx="2">
+                  <a:schemeClr val="accent1">
+                    <a:shade val="50000"/>
+                  </a:schemeClr>
+                </a:lnRef>
+                <a:fillRef idx="1">
+                  <a:schemeClr val="accent1"/>
+                </a:fillRef>
+                <a:effectRef idx="0">
+                  <a:schemeClr val="accent1"/>
+                </a:effectRef>
+                <a:fontRef idx="minor">
+                  <a:schemeClr val="lt1"/>
+                </a:fontRef>
+              </p:style>
+              <p:txBody>
+                <a:bodyPr rtlCol="0" anchor="ctr"/>
+                <a:lstStyle/>
+                <a:p>
+                  <a:pPr algn="ctr"/>
+                  <a:endParaRPr lang="en-US"/>
+                </a:p>
+              </p:txBody>
+            </p:sp>
+            <p:sp>
+              <p:nvSpPr>
+                <p:cNvPr id="39" name="직사각형 38">
+                  <a:extLst>
+                    <a:ext uri="{FF2B5EF4-FFF2-40B4-BE49-F238E27FC236}">
+                      <a16:creationId xmlns:a16="http://schemas.microsoft.com/office/drawing/2014/main" id="{01E21565-E4B7-008D-9732-E01068891CE4}"/>
+                    </a:ext>
+                  </a:extLst>
+                </p:cNvPr>
+                <p:cNvSpPr/>
+                <p:nvPr/>
+              </p:nvSpPr>
+              <p:spPr>
+                <a:xfrm>
+                  <a:off x="6038877" y="2452865"/>
+                  <a:ext cx="531865" cy="373427"/>
+                </a:xfrm>
+                <a:prstGeom prst="rect">
+                  <a:avLst/>
+                </a:prstGeom>
+                <a:solidFill>
+                  <a:srgbClr val="1A4B79"/>
+                </a:solidFill>
+              </p:spPr>
+              <p:style>
+                <a:lnRef idx="2">
+                  <a:schemeClr val="accent1">
+                    <a:shade val="50000"/>
+                  </a:schemeClr>
+                </a:lnRef>
+                <a:fillRef idx="1">
+                  <a:schemeClr val="accent1"/>
+                </a:fillRef>
+                <a:effectRef idx="0">
+                  <a:schemeClr val="accent1"/>
+                </a:effectRef>
+                <a:fontRef idx="minor">
+                  <a:schemeClr val="lt1"/>
+                </a:fontRef>
+              </p:style>
+              <p:txBody>
+                <a:bodyPr rtlCol="0" anchor="ctr"/>
+                <a:lstStyle/>
+                <a:p>
+                  <a:pPr algn="ctr"/>
+                  <a:endParaRPr lang="en-US"/>
+                </a:p>
+              </p:txBody>
+            </p:sp>
+            <p:sp>
+              <p:nvSpPr>
+                <p:cNvPr id="40" name="직사각형 39">
+                  <a:extLst>
+                    <a:ext uri="{FF2B5EF4-FFF2-40B4-BE49-F238E27FC236}">
+                      <a16:creationId xmlns:a16="http://schemas.microsoft.com/office/drawing/2014/main" id="{52C8D500-AC07-1BA0-B111-E0F3725C1C5A}"/>
+                    </a:ext>
+                  </a:extLst>
+                </p:cNvPr>
+                <p:cNvSpPr/>
+                <p:nvPr/>
+              </p:nvSpPr>
+              <p:spPr>
+                <a:xfrm>
+                  <a:off x="4425063" y="2452865"/>
+                  <a:ext cx="531865" cy="373427"/>
+                </a:xfrm>
+                <a:prstGeom prst="rect">
+                  <a:avLst/>
+                </a:prstGeom>
+                <a:solidFill>
+                  <a:srgbClr val="1A4B79"/>
+                </a:solidFill>
+              </p:spPr>
+              <p:style>
+                <a:lnRef idx="2">
+                  <a:schemeClr val="accent1">
+                    <a:shade val="50000"/>
+                  </a:schemeClr>
+                </a:lnRef>
+                <a:fillRef idx="1">
+                  <a:schemeClr val="accent1"/>
+                </a:fillRef>
+                <a:effectRef idx="0">
+                  <a:schemeClr val="accent1"/>
+                </a:effectRef>
+                <a:fontRef idx="minor">
+                  <a:schemeClr val="lt1"/>
+                </a:fontRef>
+              </p:style>
+              <p:txBody>
+                <a:bodyPr rtlCol="0" anchor="ctr"/>
+                <a:lstStyle/>
+                <a:p>
+                  <a:pPr algn="ctr"/>
+                  <a:endParaRPr lang="en-US"/>
+                </a:p>
+              </p:txBody>
+            </p:sp>
+            <p:sp>
+              <p:nvSpPr>
+                <p:cNvPr id="42" name="직사각형 41">
+                  <a:extLst>
+                    <a:ext uri="{FF2B5EF4-FFF2-40B4-BE49-F238E27FC236}">
+                      <a16:creationId xmlns:a16="http://schemas.microsoft.com/office/drawing/2014/main" id="{505E2182-FCD0-2258-70BB-A446BF89E0CE}"/>
+                    </a:ext>
+                  </a:extLst>
+                </p:cNvPr>
+                <p:cNvSpPr/>
+                <p:nvPr/>
+              </p:nvSpPr>
+              <p:spPr>
+                <a:xfrm>
+                  <a:off x="5213377" y="3067546"/>
+                  <a:ext cx="531865" cy="373427"/>
+                </a:xfrm>
+                <a:prstGeom prst="rect">
+                  <a:avLst/>
+                </a:prstGeom>
+                <a:solidFill>
+                  <a:srgbClr val="9BA993"/>
+                </a:solidFill>
+              </p:spPr>
+              <p:style>
+                <a:lnRef idx="2">
+                  <a:schemeClr val="accent1">
+                    <a:shade val="50000"/>
+                  </a:schemeClr>
+                </a:lnRef>
+                <a:fillRef idx="1">
+                  <a:schemeClr val="accent1"/>
+                </a:fillRef>
+                <a:effectRef idx="0">
+                  <a:schemeClr val="accent1"/>
+                </a:effectRef>
+                <a:fontRef idx="minor">
+                  <a:schemeClr val="lt1"/>
+                </a:fontRef>
+              </p:style>
+              <p:txBody>
+                <a:bodyPr rtlCol="0" anchor="ctr"/>
+                <a:lstStyle/>
+                <a:p>
+                  <a:pPr algn="ctr"/>
+                  <a:endParaRPr lang="en-US"/>
+                </a:p>
+              </p:txBody>
+            </p:sp>
+            <p:sp>
+              <p:nvSpPr>
+                <p:cNvPr id="50" name="직사각형 49">
+                  <a:extLst>
+                    <a:ext uri="{FF2B5EF4-FFF2-40B4-BE49-F238E27FC236}">
+                      <a16:creationId xmlns:a16="http://schemas.microsoft.com/office/drawing/2014/main" id="{26A8F18C-B336-EDF7-2D09-F5084571C88A}"/>
+                    </a:ext>
+                  </a:extLst>
+                </p:cNvPr>
+                <p:cNvSpPr/>
+                <p:nvPr/>
+              </p:nvSpPr>
+              <p:spPr>
+                <a:xfrm>
+                  <a:off x="4413130" y="3067546"/>
+                  <a:ext cx="531865" cy="373427"/>
+                </a:xfrm>
+                <a:prstGeom prst="rect">
+                  <a:avLst/>
+                </a:prstGeom>
+                <a:solidFill>
+                  <a:srgbClr val="9BA993"/>
+                </a:solidFill>
+              </p:spPr>
+              <p:style>
+                <a:lnRef idx="2">
+                  <a:schemeClr val="accent1">
+                    <a:shade val="50000"/>
+                  </a:schemeClr>
+                </a:lnRef>
+                <a:fillRef idx="1">
+                  <a:schemeClr val="accent1"/>
+                </a:fillRef>
+                <a:effectRef idx="0">
+                  <a:schemeClr val="accent1"/>
+                </a:effectRef>
+                <a:fontRef idx="minor">
+                  <a:schemeClr val="lt1"/>
+                </a:fontRef>
+              </p:style>
+              <p:txBody>
+                <a:bodyPr rtlCol="0" anchor="ctr"/>
+                <a:lstStyle/>
+                <a:p>
+                  <a:pPr algn="ctr"/>
+                  <a:endParaRPr lang="en-US"/>
+                </a:p>
+              </p:txBody>
+            </p:sp>
+          </p:grpSp>
+        </p:grpSp>
+      </p:grpSp>
+      <p:grpSp>
+        <p:nvGrpSpPr>
+          <p:cNvPr id="93" name="그룹 92">
+            <a:extLst>
+              <a:ext uri="{FF2B5EF4-FFF2-40B4-BE49-F238E27FC236}">
+                <a16:creationId xmlns:a16="http://schemas.microsoft.com/office/drawing/2014/main" id="{28795224-D373-93B0-52B7-80AE04D2A7FA}"/>
+              </a:ext>
+            </a:extLst>
+          </p:cNvPr>
+          <p:cNvGrpSpPr/>
+          <p:nvPr/>
+        </p:nvGrpSpPr>
+        <p:grpSpPr>
+          <a:xfrm>
+            <a:off x="9347411" y="4842320"/>
+            <a:ext cx="1439044" cy="1710200"/>
+            <a:chOff x="9347410" y="4842320"/>
+            <a:chExt cx="1439044" cy="1710200"/>
+          </a:xfrm>
+        </p:grpSpPr>
+        <p:sp>
+          <p:nvSpPr>
+            <p:cNvPr id="71" name="TextBox 70">
+              <a:extLst>
+                <a:ext uri="{FF2B5EF4-FFF2-40B4-BE49-F238E27FC236}">
+                  <a16:creationId xmlns:a16="http://schemas.microsoft.com/office/drawing/2014/main" id="{5D3795A1-24B9-2B3C-10FB-70AA6DFACD59}"/>
+                </a:ext>
+              </a:extLst>
+            </p:cNvPr>
+            <p:cNvSpPr txBox="1"/>
+            <p:nvPr/>
+          </p:nvSpPr>
+          <p:spPr>
+            <a:xfrm>
+              <a:off x="9577471" y="6238217"/>
+              <a:ext cx="973956" cy="314303"/>
+            </a:xfrm>
+            <a:prstGeom prst="rect">
+              <a:avLst/>
+            </a:prstGeom>
+            <a:noFill/>
+          </p:spPr>
+          <p:txBody>
+            <a:bodyPr wrap="none" rtlCol="0">
+              <a:spAutoFit/>
+            </a:bodyPr>
+            <a:lstStyle/>
+            <a:p>
+              <a:pPr algn="ctr"/>
+              <a:r>
+                <a:rPr lang="en-US" dirty="0"/>
+                <a:t>TimeTable</a:t>
+              </a:r>
+            </a:p>
+          </p:txBody>
+        </p:sp>
+        <p:grpSp>
+          <p:nvGrpSpPr>
+            <p:cNvPr id="81" name="그룹 80">
+              <a:extLst>
+                <a:ext uri="{FF2B5EF4-FFF2-40B4-BE49-F238E27FC236}">
+                  <a16:creationId xmlns:a16="http://schemas.microsoft.com/office/drawing/2014/main" id="{F0F4D20E-84F8-36CE-1A52-AD056E838FDA}"/>
+                </a:ext>
+              </a:extLst>
+            </p:cNvPr>
+            <p:cNvGrpSpPr/>
+            <p:nvPr/>
+          </p:nvGrpSpPr>
+          <p:grpSpPr>
+            <a:xfrm>
+              <a:off x="9347410" y="4842320"/>
+              <a:ext cx="1439044" cy="1429823"/>
+              <a:chOff x="11137836" y="2656693"/>
+              <a:chExt cx="1240454" cy="1232506"/>
+            </a:xfrm>
+          </p:grpSpPr>
+          <p:sp>
+            <p:nvSpPr>
+              <p:cNvPr id="52" name="Rectangle 77">
+                <a:extLst>
+                  <a:ext uri="{FF2B5EF4-FFF2-40B4-BE49-F238E27FC236}">
+                    <a16:creationId xmlns:a16="http://schemas.microsoft.com/office/drawing/2014/main" id="{22DE2343-8A04-9EA9-7422-C8BBA9FE24BB}"/>
+                  </a:ext>
+                </a:extLst>
+              </p:cNvPr>
+              <p:cNvSpPr/>
+              <p:nvPr/>
+            </p:nvSpPr>
+            <p:spPr>
+              <a:xfrm>
+                <a:off x="11137836" y="2656693"/>
+                <a:ext cx="1146748" cy="1136776"/>
+              </a:xfrm>
+              <a:prstGeom prst="rect">
+                <a:avLst/>
+              </a:prstGeom>
+              <a:gradFill>
+                <a:gsLst>
+                  <a:gs pos="43000">
+                    <a:srgbClr val="FBEFA0"/>
+                  </a:gs>
+                  <a:gs pos="0">
+                    <a:schemeClr val="accent1">
+                      <a:lumMod val="5000"/>
+                      <a:lumOff val="95000"/>
+                    </a:schemeClr>
+                  </a:gs>
+                  <a:gs pos="100000">
+                    <a:srgbClr val="FCEE94"/>
+                  </a:gs>
+                </a:gsLst>
+                <a:lin ang="2700000" scaled="0"/>
+              </a:gradFill>
+              <a:ln>
+                <a:noFill/>
+              </a:ln>
+            </p:spPr>
+            <p:style>
+              <a:lnRef idx="2">
+                <a:schemeClr val="accent1">
+                  <a:shade val="50000"/>
+                </a:schemeClr>
+              </a:lnRef>
+              <a:fillRef idx="1">
+                <a:schemeClr val="accent1"/>
+              </a:fillRef>
+              <a:effectRef idx="0">
+                <a:schemeClr val="accent1"/>
+              </a:effectRef>
+              <a:fontRef idx="minor">
+                <a:schemeClr val="lt1"/>
+              </a:fontRef>
+            </p:style>
+            <p:txBody>
+              <a:bodyPr rtlCol="0" anchor="ctr"/>
+              <a:lstStyle/>
+              <a:p>
+                <a:pPr algn="ctr"/>
+                <a:endParaRPr lang="en-US" sz="1200"/>
+              </a:p>
+            </p:txBody>
+          </p:sp>
+          <p:sp>
+            <p:nvSpPr>
+              <p:cNvPr id="55" name="Rectangle 82">
+                <a:extLst>
+                  <a:ext uri="{FF2B5EF4-FFF2-40B4-BE49-F238E27FC236}">
+                    <a16:creationId xmlns:a16="http://schemas.microsoft.com/office/drawing/2014/main" id="{3B1C80B1-B681-CBFC-5392-1ED00656D8D4}"/>
+                  </a:ext>
+                </a:extLst>
+              </p:cNvPr>
+              <p:cNvSpPr/>
+              <p:nvPr/>
+            </p:nvSpPr>
+            <p:spPr>
+              <a:xfrm>
+                <a:off x="11138105" y="2679547"/>
+                <a:ext cx="1140100" cy="199434"/>
+              </a:xfrm>
+              <a:prstGeom prst="rect">
+                <a:avLst/>
+              </a:prstGeom>
+              <a:solidFill>
+                <a:schemeClr val="accent1">
+                  <a:lumMod val="20000"/>
+                  <a:lumOff val="80000"/>
+                </a:schemeClr>
+              </a:solidFill>
+              <a:ln w="117475">
+                <a:solidFill>
+                  <a:srgbClr val="2F528F"/>
+                </a:solidFill>
+              </a:ln>
+            </p:spPr>
+            <p:style>
+              <a:lnRef idx="2">
+                <a:schemeClr val="accent1">
+                  <a:shade val="50000"/>
+                </a:schemeClr>
+              </a:lnRef>
+              <a:fillRef idx="1">
+                <a:schemeClr val="accent1"/>
+              </a:fillRef>
+              <a:effectRef idx="0">
+                <a:schemeClr val="accent1"/>
+              </a:effectRef>
+              <a:fontRef idx="minor">
+                <a:schemeClr val="lt1"/>
+              </a:fontRef>
+            </p:style>
+            <p:txBody>
+              <a:bodyPr rtlCol="0" anchor="ctr"/>
+              <a:lstStyle/>
+              <a:p>
+                <a:pPr algn="ctr"/>
+                <a:endParaRPr lang="en-US" sz="1200"/>
+              </a:p>
+            </p:txBody>
+          </p:sp>
+          <p:sp>
+            <p:nvSpPr>
+              <p:cNvPr id="57" name="Rectangle 84">
+                <a:extLst>
+                  <a:ext uri="{FF2B5EF4-FFF2-40B4-BE49-F238E27FC236}">
+                    <a16:creationId xmlns:a16="http://schemas.microsoft.com/office/drawing/2014/main" id="{400481CD-597D-D885-E5C1-547867CF767D}"/>
+                  </a:ext>
+                </a:extLst>
+              </p:cNvPr>
+              <p:cNvSpPr/>
+              <p:nvPr/>
+            </p:nvSpPr>
+            <p:spPr>
+              <a:xfrm>
+                <a:off x="11138105" y="3194723"/>
+                <a:ext cx="1140100" cy="298460"/>
+              </a:xfrm>
+              <a:prstGeom prst="rect">
+                <a:avLst/>
+              </a:prstGeom>
+              <a:noFill/>
+              <a:ln w="117475">
+                <a:solidFill>
+                  <a:srgbClr val="2F528F"/>
+                </a:solidFill>
+              </a:ln>
+            </p:spPr>
+            <p:style>
+              <a:lnRef idx="2">
+                <a:schemeClr val="accent1">
+                  <a:shade val="50000"/>
+                </a:schemeClr>
+              </a:lnRef>
+              <a:fillRef idx="1">
+                <a:schemeClr val="accent1"/>
+              </a:fillRef>
+              <a:effectRef idx="0">
+                <a:schemeClr val="accent1"/>
+              </a:effectRef>
+              <a:fontRef idx="minor">
+                <a:schemeClr val="lt1"/>
+              </a:fontRef>
+            </p:style>
+            <p:txBody>
+              <a:bodyPr rtlCol="0" anchor="ctr"/>
+              <a:lstStyle/>
+              <a:p>
+                <a:pPr algn="ctr"/>
+                <a:endParaRPr lang="en-US" sz="1200"/>
+              </a:p>
+            </p:txBody>
+          </p:sp>
+          <p:sp>
+            <p:nvSpPr>
+              <p:cNvPr id="58" name="Rectangle 87">
+                <a:extLst>
+                  <a:ext uri="{FF2B5EF4-FFF2-40B4-BE49-F238E27FC236}">
+                    <a16:creationId xmlns:a16="http://schemas.microsoft.com/office/drawing/2014/main" id="{CC31C4FE-0AC2-FB2C-1295-E821F4FEC98A}"/>
+                  </a:ext>
+                </a:extLst>
+              </p:cNvPr>
+              <p:cNvSpPr/>
+              <p:nvPr/>
+            </p:nvSpPr>
+            <p:spPr>
+              <a:xfrm rot="5400000">
+                <a:off x="11534009" y="3046904"/>
+                <a:ext cx="1088907" cy="371217"/>
+              </a:xfrm>
+              <a:prstGeom prst="rect">
+                <a:avLst/>
+              </a:prstGeom>
+              <a:noFill/>
+              <a:ln w="117475">
+                <a:solidFill>
+                  <a:srgbClr val="2F528F"/>
+                </a:solidFill>
+              </a:ln>
+            </p:spPr>
+            <p:style>
+              <a:lnRef idx="2">
+                <a:schemeClr val="accent1">
+                  <a:shade val="50000"/>
+                </a:schemeClr>
+              </a:lnRef>
+              <a:fillRef idx="1">
+                <a:schemeClr val="accent1"/>
+              </a:fillRef>
+              <a:effectRef idx="0">
+                <a:schemeClr val="accent1"/>
+              </a:effectRef>
+              <a:fontRef idx="minor">
+                <a:schemeClr val="lt1"/>
+              </a:fontRef>
+            </p:style>
+            <p:txBody>
+              <a:bodyPr rtlCol="0" anchor="ctr"/>
+              <a:lstStyle/>
+              <a:p>
+                <a:pPr algn="ctr"/>
+                <a:endParaRPr lang="en-US" sz="1200"/>
+              </a:p>
+            </p:txBody>
+          </p:sp>
+          <p:sp>
+            <p:nvSpPr>
+              <p:cNvPr id="62" name="Rectangle 88">
+                <a:extLst>
+                  <a:ext uri="{FF2B5EF4-FFF2-40B4-BE49-F238E27FC236}">
+                    <a16:creationId xmlns:a16="http://schemas.microsoft.com/office/drawing/2014/main" id="{DC39BC56-2D8F-29CF-D277-79D7BD069E60}"/>
+                  </a:ext>
+                </a:extLst>
+              </p:cNvPr>
+              <p:cNvSpPr/>
+              <p:nvPr/>
+            </p:nvSpPr>
+            <p:spPr>
+              <a:xfrm rot="5400000">
+                <a:off x="11158806" y="3046904"/>
+                <a:ext cx="1088907" cy="371217"/>
+              </a:xfrm>
+              <a:prstGeom prst="rect">
+                <a:avLst/>
+              </a:prstGeom>
+              <a:noFill/>
+              <a:ln w="117475">
+                <a:solidFill>
+                  <a:srgbClr val="2F528F"/>
+                </a:solidFill>
+              </a:ln>
+            </p:spPr>
+            <p:style>
+              <a:lnRef idx="2">
+                <a:schemeClr val="accent1">
+                  <a:shade val="50000"/>
+                </a:schemeClr>
+              </a:lnRef>
+              <a:fillRef idx="1">
+                <a:schemeClr val="accent1"/>
+              </a:fillRef>
+              <a:effectRef idx="0">
+                <a:schemeClr val="accent1"/>
+              </a:effectRef>
+              <a:fontRef idx="minor">
+                <a:schemeClr val="lt1"/>
+              </a:fontRef>
+            </p:style>
+            <p:txBody>
+              <a:bodyPr rtlCol="0" anchor="ctr"/>
+              <a:lstStyle/>
+              <a:p>
+                <a:pPr algn="ctr"/>
+                <a:endParaRPr lang="en-US" sz="1200"/>
+              </a:p>
+            </p:txBody>
+          </p:sp>
+          <p:sp>
+            <p:nvSpPr>
+              <p:cNvPr id="63" name="Rectangle 89">
+                <a:extLst>
+                  <a:ext uri="{FF2B5EF4-FFF2-40B4-BE49-F238E27FC236}">
+                    <a16:creationId xmlns:a16="http://schemas.microsoft.com/office/drawing/2014/main" id="{4A67F101-3767-8B71-E53B-A4BA976125CF}"/>
+                  </a:ext>
+                </a:extLst>
+              </p:cNvPr>
+              <p:cNvSpPr/>
+              <p:nvPr/>
+            </p:nvSpPr>
+            <p:spPr>
+              <a:xfrm rot="5400000">
+                <a:off x="10787589" y="3046904"/>
+                <a:ext cx="1088907" cy="371217"/>
+              </a:xfrm>
+              <a:prstGeom prst="rect">
+                <a:avLst/>
+              </a:prstGeom>
+              <a:solidFill>
+                <a:schemeClr val="accent1">
+                  <a:lumMod val="20000"/>
+                  <a:lumOff val="80000"/>
+                </a:schemeClr>
+              </a:solidFill>
+              <a:ln w="117475">
+                <a:solidFill>
+                  <a:srgbClr val="2F528F"/>
+                </a:solidFill>
+              </a:ln>
+            </p:spPr>
+            <p:style>
+              <a:lnRef idx="2">
+                <a:schemeClr val="accent1">
+                  <a:shade val="50000"/>
+                </a:schemeClr>
+              </a:lnRef>
+              <a:fillRef idx="1">
+                <a:schemeClr val="accent1"/>
+              </a:fillRef>
+              <a:effectRef idx="0">
+                <a:schemeClr val="accent1"/>
+              </a:effectRef>
+              <a:fontRef idx="minor">
+                <a:schemeClr val="lt1"/>
+              </a:fontRef>
+            </p:style>
+            <p:txBody>
+              <a:bodyPr rtlCol="0" anchor="ctr"/>
+              <a:lstStyle/>
+              <a:p>
+                <a:pPr algn="ctr"/>
+                <a:endParaRPr lang="en-US" sz="1200"/>
+              </a:p>
+            </p:txBody>
+          </p:sp>
+          <p:sp>
+            <p:nvSpPr>
+              <p:cNvPr id="65" name="Rectangle 83">
+                <a:extLst>
+                  <a:ext uri="{FF2B5EF4-FFF2-40B4-BE49-F238E27FC236}">
+                    <a16:creationId xmlns:a16="http://schemas.microsoft.com/office/drawing/2014/main" id="{547BCA86-B2F8-4332-3802-606C91B2CB64}"/>
+                  </a:ext>
+                </a:extLst>
+              </p:cNvPr>
+              <p:cNvSpPr/>
+              <p:nvPr/>
+            </p:nvSpPr>
+            <p:spPr>
+              <a:xfrm>
+                <a:off x="11138105" y="2893060"/>
+                <a:ext cx="1140100" cy="298460"/>
+              </a:xfrm>
+              <a:prstGeom prst="rect">
+                <a:avLst/>
+              </a:prstGeom>
+              <a:noFill/>
+              <a:ln w="117475">
+                <a:solidFill>
+                  <a:srgbClr val="2F528F"/>
+                </a:solidFill>
+              </a:ln>
+            </p:spPr>
+            <p:style>
+              <a:lnRef idx="2">
+                <a:schemeClr val="accent1">
+                  <a:shade val="50000"/>
+                </a:schemeClr>
+              </a:lnRef>
+              <a:fillRef idx="1">
+                <a:schemeClr val="accent1"/>
+              </a:fillRef>
+              <a:effectRef idx="0">
+                <a:schemeClr val="accent1"/>
+              </a:effectRef>
+              <a:fontRef idx="minor">
+                <a:schemeClr val="lt1"/>
+              </a:fontRef>
+            </p:style>
+            <p:txBody>
+              <a:bodyPr rtlCol="0" anchor="ctr"/>
+              <a:lstStyle/>
+              <a:p>
+                <a:pPr algn="ctr"/>
+                <a:endParaRPr lang="en-US" sz="1200"/>
+              </a:p>
+            </p:txBody>
+          </p:sp>
+          <p:sp>
+            <p:nvSpPr>
+              <p:cNvPr id="67" name="Rectangle 85">
+                <a:extLst>
+                  <a:ext uri="{FF2B5EF4-FFF2-40B4-BE49-F238E27FC236}">
+                    <a16:creationId xmlns:a16="http://schemas.microsoft.com/office/drawing/2014/main" id="{E418ED4C-2B46-8D3B-6474-DB00BEE9DE5D}"/>
+                  </a:ext>
+                </a:extLst>
+              </p:cNvPr>
+              <p:cNvSpPr/>
+              <p:nvPr/>
+            </p:nvSpPr>
+            <p:spPr>
+              <a:xfrm>
+                <a:off x="11138105" y="3493182"/>
+                <a:ext cx="1140100" cy="298460"/>
+              </a:xfrm>
+              <a:prstGeom prst="rect">
+                <a:avLst/>
+              </a:prstGeom>
+              <a:noFill/>
+              <a:ln w="117475">
+                <a:solidFill>
+                  <a:srgbClr val="2F528F"/>
+                </a:solidFill>
+              </a:ln>
+            </p:spPr>
+            <p:style>
+              <a:lnRef idx="2">
+                <a:schemeClr val="accent1">
+                  <a:shade val="50000"/>
+                </a:schemeClr>
+              </a:lnRef>
+              <a:fillRef idx="1">
+                <a:schemeClr val="accent1"/>
+              </a:fillRef>
+              <a:effectRef idx="0">
+                <a:schemeClr val="accent1"/>
+              </a:effectRef>
+              <a:fontRef idx="minor">
+                <a:schemeClr val="lt1"/>
+              </a:fontRef>
+            </p:style>
+            <p:txBody>
+              <a:bodyPr rtlCol="0" anchor="ctr"/>
+              <a:lstStyle/>
+              <a:p>
+                <a:pPr algn="ctr"/>
+                <a:endParaRPr lang="en-US" sz="1200"/>
+              </a:p>
+            </p:txBody>
+          </p:sp>
+          <p:grpSp>
+            <p:nvGrpSpPr>
+              <p:cNvPr id="72" name="그룹 71">
+                <a:extLst>
+                  <a:ext uri="{FF2B5EF4-FFF2-40B4-BE49-F238E27FC236}">
+                    <a16:creationId xmlns:a16="http://schemas.microsoft.com/office/drawing/2014/main" id="{4D5AC71E-62DF-7922-3209-9F6317B33296}"/>
+                  </a:ext>
+                </a:extLst>
+              </p:cNvPr>
+              <p:cNvGrpSpPr/>
+              <p:nvPr/>
+            </p:nvGrpSpPr>
+            <p:grpSpPr>
+              <a:xfrm>
+                <a:off x="11525980" y="3036889"/>
+                <a:ext cx="852310" cy="852310"/>
+                <a:chOff x="7954388" y="3616692"/>
+                <a:chExt cx="1436334" cy="1436334"/>
+              </a:xfrm>
+            </p:grpSpPr>
+            <p:sp>
+              <p:nvSpPr>
+                <p:cNvPr id="73" name="타원 72">
+                  <a:extLst>
+                    <a:ext uri="{FF2B5EF4-FFF2-40B4-BE49-F238E27FC236}">
+                      <a16:creationId xmlns:a16="http://schemas.microsoft.com/office/drawing/2014/main" id="{53D103B6-6D7D-8588-B335-9CE27E555E4C}"/>
+                    </a:ext>
+                  </a:extLst>
+                </p:cNvPr>
+                <p:cNvSpPr/>
+                <p:nvPr/>
+              </p:nvSpPr>
+              <p:spPr>
+                <a:xfrm>
+                  <a:off x="7954388" y="3616692"/>
+                  <a:ext cx="1436334" cy="1436334"/>
+                </a:xfrm>
+                <a:prstGeom prst="ellipse">
+                  <a:avLst/>
+                </a:prstGeom>
+                <a:gradFill flip="none" rotWithShape="1">
+                  <a:gsLst>
+                    <a:gs pos="0">
+                      <a:srgbClr val="D0D8DE"/>
+                    </a:gs>
+                    <a:gs pos="100000">
+                      <a:srgbClr val="F9FAFB"/>
+                    </a:gs>
+                  </a:gsLst>
+                  <a:lin ang="2700000" scaled="1"/>
+                  <a:tileRect/>
+                </a:gradFill>
+                <a:ln>
+                  <a:noFill/>
+                </a:ln>
+              </p:spPr>
+              <p:style>
+                <a:lnRef idx="2">
+                  <a:schemeClr val="accent1">
+                    <a:shade val="50000"/>
+                  </a:schemeClr>
+                </a:lnRef>
+                <a:fillRef idx="1">
+                  <a:schemeClr val="accent1"/>
+                </a:fillRef>
+                <a:effectRef idx="0">
+                  <a:schemeClr val="accent1"/>
+                </a:effectRef>
+                <a:fontRef idx="minor">
+                  <a:schemeClr val="lt1"/>
+                </a:fontRef>
+              </p:style>
+              <p:txBody>
+                <a:bodyPr rtlCol="0" anchor="ctr"/>
+                <a:lstStyle/>
+                <a:p>
+                  <a:pPr algn="ctr"/>
+                  <a:endParaRPr lang="en-US"/>
+                </a:p>
+              </p:txBody>
+            </p:sp>
+            <p:sp>
+              <p:nvSpPr>
+                <p:cNvPr id="74" name="자유형: 도형 73">
+                  <a:extLst>
+                    <a:ext uri="{FF2B5EF4-FFF2-40B4-BE49-F238E27FC236}">
+                      <a16:creationId xmlns:a16="http://schemas.microsoft.com/office/drawing/2014/main" id="{2E801FE6-4088-4C2A-BFB9-6A2FFB96EA80}"/>
+                    </a:ext>
+                  </a:extLst>
+                </p:cNvPr>
+                <p:cNvSpPr/>
+                <p:nvPr/>
+              </p:nvSpPr>
+              <p:spPr>
+                <a:xfrm>
+                  <a:off x="7954389" y="3616693"/>
+                  <a:ext cx="1436333" cy="1436332"/>
+                </a:xfrm>
+                <a:custGeom>
+                  <a:avLst/>
+                  <a:gdLst>
+                    <a:gd name="connsiteX0" fmla="*/ 1263446 w 2526892"/>
+                    <a:gd name="connsiteY0" fmla="*/ 193914 h 2526892"/>
+                    <a:gd name="connsiteX1" fmla="*/ 193913 w 2526892"/>
+                    <a:gd name="connsiteY1" fmla="*/ 1263446 h 2526892"/>
+                    <a:gd name="connsiteX2" fmla="*/ 1263446 w 2526892"/>
+                    <a:gd name="connsiteY2" fmla="*/ 2332978 h 2526892"/>
+                    <a:gd name="connsiteX3" fmla="*/ 2332979 w 2526892"/>
+                    <a:gd name="connsiteY3" fmla="*/ 1263446 h 2526892"/>
+                    <a:gd name="connsiteX4" fmla="*/ 1263446 w 2526892"/>
+                    <a:gd name="connsiteY4" fmla="*/ 193914 h 2526892"/>
+                    <a:gd name="connsiteX5" fmla="*/ 1263446 w 2526892"/>
+                    <a:gd name="connsiteY5" fmla="*/ 0 h 2526892"/>
+                    <a:gd name="connsiteX6" fmla="*/ 2526892 w 2526892"/>
+                    <a:gd name="connsiteY6" fmla="*/ 1263446 h 2526892"/>
+                    <a:gd name="connsiteX7" fmla="*/ 1263446 w 2526892"/>
+                    <a:gd name="connsiteY7" fmla="*/ 2526892 h 2526892"/>
+                    <a:gd name="connsiteX8" fmla="*/ 0 w 2526892"/>
+                    <a:gd name="connsiteY8" fmla="*/ 1263446 h 2526892"/>
+                    <a:gd name="connsiteX9" fmla="*/ 1263446 w 2526892"/>
+                    <a:gd name="connsiteY9" fmla="*/ 0 h 2526892"/>
+                  </a:gdLst>
+                  <a:ahLst/>
+                  <a:cxnLst>
+                    <a:cxn ang="0">
+                      <a:pos x="connsiteX0" y="connsiteY0"/>
+                    </a:cxn>
+                    <a:cxn ang="0">
+                      <a:pos x="connsiteX1" y="connsiteY1"/>
+                    </a:cxn>
+                    <a:cxn ang="0">
+                      <a:pos x="connsiteX2" y="connsiteY2"/>
+                    </a:cxn>
+                    <a:cxn ang="0">
+                      <a:pos x="connsiteX3" y="connsiteY3"/>
+                    </a:cxn>
+                    <a:cxn ang="0">
+                      <a:pos x="connsiteX4" y="connsiteY4"/>
+                    </a:cxn>
+                    <a:cxn ang="0">
+                      <a:pos x="connsiteX5" y="connsiteY5"/>
+                    </a:cxn>
+                    <a:cxn ang="0">
+                      <a:pos x="connsiteX6" y="connsiteY6"/>
+                    </a:cxn>
+                    <a:cxn ang="0">
+                      <a:pos x="connsiteX7" y="connsiteY7"/>
+                    </a:cxn>
+                    <a:cxn ang="0">
+                      <a:pos x="connsiteX8" y="connsiteY8"/>
+                    </a:cxn>
+                    <a:cxn ang="0">
+                      <a:pos x="connsiteX9" y="connsiteY9"/>
+                    </a:cxn>
+                  </a:cxnLst>
+                  <a:rect l="l" t="t" r="r" b="b"/>
+                  <a:pathLst>
+                    <a:path w="2526892" h="2526892">
+                      <a:moveTo>
+                        <a:pt x="1263446" y="193914"/>
+                      </a:moveTo>
+                      <a:cubicBezTo>
+                        <a:pt x="672759" y="193914"/>
+                        <a:pt x="193913" y="672760"/>
+                        <a:pt x="193913" y="1263446"/>
+                      </a:cubicBezTo>
+                      <a:cubicBezTo>
+                        <a:pt x="193913" y="1854132"/>
+                        <a:pt x="672759" y="2332978"/>
+                        <a:pt x="1263446" y="2332978"/>
+                      </a:cubicBezTo>
+                      <a:cubicBezTo>
+                        <a:pt x="1854133" y="2332978"/>
+                        <a:pt x="2332979" y="1854132"/>
+                        <a:pt x="2332979" y="1263446"/>
+                      </a:cubicBezTo>
+                      <a:cubicBezTo>
+                        <a:pt x="2332979" y="672760"/>
+                        <a:pt x="1854133" y="193914"/>
+                        <a:pt x="1263446" y="193914"/>
+                      </a:cubicBezTo>
+                      <a:close/>
+                      <a:moveTo>
+                        <a:pt x="1263446" y="0"/>
+                      </a:moveTo>
+                      <a:cubicBezTo>
+                        <a:pt x="1961228" y="0"/>
+                        <a:pt x="2526892" y="565664"/>
+                        <a:pt x="2526892" y="1263446"/>
+                      </a:cubicBezTo>
+                      <a:cubicBezTo>
+                        <a:pt x="2526892" y="1961228"/>
+                        <a:pt x="1961228" y="2526892"/>
+                        <a:pt x="1263446" y="2526892"/>
+                      </a:cubicBezTo>
+                      <a:cubicBezTo>
+                        <a:pt x="565664" y="2526892"/>
+                        <a:pt x="0" y="1961228"/>
+                        <a:pt x="0" y="1263446"/>
+                      </a:cubicBezTo>
+                      <a:cubicBezTo>
+                        <a:pt x="0" y="565664"/>
+                        <a:pt x="565664" y="0"/>
+                        <a:pt x="1263446" y="0"/>
+                      </a:cubicBezTo>
+                      <a:close/>
+                    </a:path>
+                  </a:pathLst>
+                </a:custGeom>
+                <a:solidFill>
+                  <a:schemeClr val="accent1">
+                    <a:lumMod val="50000"/>
+                  </a:schemeClr>
+                </a:solidFill>
+                <a:ln>
+                  <a:noFill/>
+                </a:ln>
+              </p:spPr>
+              <p:style>
+                <a:lnRef idx="2">
+                  <a:schemeClr val="accent1">
+                    <a:shade val="50000"/>
+                  </a:schemeClr>
+                </a:lnRef>
+                <a:fillRef idx="1">
+                  <a:schemeClr val="accent1"/>
+                </a:fillRef>
+                <a:effectRef idx="0">
+                  <a:schemeClr val="accent1"/>
+                </a:effectRef>
+                <a:fontRef idx="minor">
+                  <a:schemeClr val="lt1"/>
+                </a:fontRef>
+              </p:style>
+              <p:txBody>
+                <a:bodyPr wrap="square" rtlCol="0" anchor="ctr">
+                  <a:noAutofit/>
+                </a:bodyPr>
+                <a:lstStyle/>
+                <a:p>
+                  <a:pPr algn="ctr"/>
+                  <a:endParaRPr lang="en-US"/>
+                </a:p>
+              </p:txBody>
+            </p:sp>
+            <p:sp>
+              <p:nvSpPr>
+                <p:cNvPr id="75" name="자유형: 도형 74">
+                  <a:extLst>
+                    <a:ext uri="{FF2B5EF4-FFF2-40B4-BE49-F238E27FC236}">
+                      <a16:creationId xmlns:a16="http://schemas.microsoft.com/office/drawing/2014/main" id="{B81B76F4-D3B2-4462-6950-10D4928CA80D}"/>
+                    </a:ext>
+                  </a:extLst>
+                </p:cNvPr>
+                <p:cNvSpPr/>
+                <p:nvPr/>
+              </p:nvSpPr>
+              <p:spPr>
+                <a:xfrm rot="16200000">
+                  <a:off x="8664491" y="3897149"/>
+                  <a:ext cx="484272" cy="484271"/>
+                </a:xfrm>
+                <a:custGeom>
+                  <a:avLst/>
+                  <a:gdLst>
+                    <a:gd name="connsiteX0" fmla="*/ 484272 w 484272"/>
+                    <a:gd name="connsiteY0" fmla="*/ 0 h 484271"/>
+                    <a:gd name="connsiteX1" fmla="*/ 484272 w 484272"/>
+                    <a:gd name="connsiteY1" fmla="*/ 81574 h 484271"/>
+                    <a:gd name="connsiteX2" fmla="*/ 81575 w 484272"/>
+                    <a:gd name="connsiteY2" fmla="*/ 81574 h 484271"/>
+                    <a:gd name="connsiteX3" fmla="*/ 81575 w 484272"/>
+                    <a:gd name="connsiteY3" fmla="*/ 484271 h 484271"/>
+                    <a:gd name="connsiteX4" fmla="*/ 0 w 484272"/>
+                    <a:gd name="connsiteY4" fmla="*/ 484271 h 484271"/>
+                    <a:gd name="connsiteX5" fmla="*/ 0 w 484272"/>
+                    <a:gd name="connsiteY5" fmla="*/ 0 h 484271"/>
+                    <a:gd name="connsiteX6" fmla="*/ 1 w 484272"/>
+                    <a:gd name="connsiteY6" fmla="*/ 0 h 484271"/>
+                    <a:gd name="connsiteX7" fmla="*/ 81575 w 484272"/>
+                    <a:gd name="connsiteY7" fmla="*/ 0 h 484271"/>
+                  </a:gdLst>
+                  <a:ahLst/>
+                  <a:cxnLst>
+                    <a:cxn ang="0">
+                      <a:pos x="connsiteX0" y="connsiteY0"/>
+                    </a:cxn>
+                    <a:cxn ang="0">
+                      <a:pos x="connsiteX1" y="connsiteY1"/>
+                    </a:cxn>
+                    <a:cxn ang="0">
+                      <a:pos x="connsiteX2" y="connsiteY2"/>
+                    </a:cxn>
+                    <a:cxn ang="0">
+                      <a:pos x="connsiteX3" y="connsiteY3"/>
+                    </a:cxn>
+                    <a:cxn ang="0">
+                      <a:pos x="connsiteX4" y="connsiteY4"/>
+                    </a:cxn>
+                    <a:cxn ang="0">
+                      <a:pos x="connsiteX5" y="connsiteY5"/>
+                    </a:cxn>
+                    <a:cxn ang="0">
+                      <a:pos x="connsiteX6" y="connsiteY6"/>
+                    </a:cxn>
+                    <a:cxn ang="0">
+                      <a:pos x="connsiteX7" y="connsiteY7"/>
+                    </a:cxn>
+                  </a:cxnLst>
+                  <a:rect l="l" t="t" r="r" b="b"/>
+                  <a:pathLst>
+                    <a:path w="484272" h="484271">
+                      <a:moveTo>
+                        <a:pt x="484272" y="0"/>
+                      </a:moveTo>
+                      <a:lnTo>
+                        <a:pt x="484272" y="81574"/>
+                      </a:lnTo>
+                      <a:lnTo>
+                        <a:pt x="81575" y="81574"/>
+                      </a:lnTo>
+                      <a:lnTo>
+                        <a:pt x="81575" y="484271"/>
+                      </a:lnTo>
+                      <a:lnTo>
+                        <a:pt x="0" y="484271"/>
+                      </a:lnTo>
+                      <a:lnTo>
+                        <a:pt x="0" y="0"/>
+                      </a:lnTo>
+                      <a:lnTo>
+                        <a:pt x="1" y="0"/>
+                      </a:lnTo>
+                      <a:lnTo>
+                        <a:pt x="81575" y="0"/>
+                      </a:lnTo>
+                      <a:close/>
+                    </a:path>
+                  </a:pathLst>
+                </a:custGeom>
+                <a:solidFill>
+                  <a:schemeClr val="accent1">
+                    <a:lumMod val="50000"/>
+                  </a:schemeClr>
+                </a:solidFill>
+                <a:ln>
+                  <a:noFill/>
+                </a:ln>
+              </p:spPr>
+              <p:style>
+                <a:lnRef idx="2">
+                  <a:schemeClr val="accent1">
+                    <a:shade val="50000"/>
+                  </a:schemeClr>
+                </a:lnRef>
+                <a:fillRef idx="1">
+                  <a:schemeClr val="accent1"/>
+                </a:fillRef>
+                <a:effectRef idx="0">
+                  <a:schemeClr val="accent1"/>
+                </a:effectRef>
+                <a:fontRef idx="minor">
+                  <a:schemeClr val="lt1"/>
+                </a:fontRef>
+              </p:style>
+              <p:txBody>
+                <a:bodyPr wrap="square" rtlCol="0" anchor="ctr">
+                  <a:noAutofit/>
+                </a:bodyPr>
+                <a:lstStyle/>
+                <a:p>
+                  <a:pPr algn="ctr"/>
+                  <a:endParaRPr lang="en-US"/>
+                </a:p>
+              </p:txBody>
+            </p:sp>
+          </p:grpSp>
+        </p:grpSp>
+      </p:grpSp>
+    </p:spTree>
+    <p:extLst>
+      <p:ext uri="{BB962C8B-B14F-4D97-AF65-F5344CB8AC3E}">
+        <p14:creationId xmlns:p14="http://schemas.microsoft.com/office/powerpoint/2010/main" val="3852378343"/>
+      </p:ext>
+    </p:extLst>
+  </p:cSld>
+  <p:clrMapOvr>
+    <a:masterClrMapping/>
+  </p:clrMapOvr>
+</p:sld>
+</file>
+
+<file path=ppt/slides/slide2.xml><?xml version="1.0" encoding="utf-8"?>
+<p:sld xmlns:a="http://schemas.openxmlformats.org/drawingml/2006/main" xmlns:r="http://schemas.openxmlformats.org/officeDocument/2006/relationships" xmlns:p="http://schemas.openxmlformats.org/presentationml/2006/main">
+  <p:cSld>
+    <p:spTree>
+      <p:nvGrpSpPr>
+        <p:cNvPr id="1" name=""/>
+        <p:cNvGrpSpPr/>
+        <p:nvPr/>
+      </p:nvGrpSpPr>
+      <p:grpSpPr>
+        <a:xfrm>
+          <a:off x="0" y="0"/>
+          <a:ext cx="0" cy="0"/>
+          <a:chOff x="0" y="0"/>
+          <a:chExt cx="0" cy="0"/>
+        </a:xfrm>
+      </p:grpSpPr>
     </p:spTree>
     <p:extLst>
       <p:ext uri="{BB962C8B-B14F-4D97-AF65-F5344CB8AC3E}">
